--- a/GC_Docker_2022.pptx
+++ b/GC_Docker_2022.pptx
@@ -5,10 +5,10 @@
     <p:sldMasterId id="2147483648" r:id="rId4"/>
   </p:sldMasterIdLst>
   <p:notesMasterIdLst>
-    <p:notesMasterId r:id="rId17"/>
+    <p:notesMasterId r:id="rId27"/>
   </p:notesMasterIdLst>
   <p:handoutMasterIdLst>
-    <p:handoutMasterId r:id="rId18"/>
+    <p:handoutMasterId r:id="rId28"/>
   </p:handoutMasterIdLst>
   <p:sldIdLst>
     <p:sldId id="518" r:id="rId5"/>
@@ -23,11 +23,21 @@
     <p:sldId id="528" r:id="rId14"/>
     <p:sldId id="535" r:id="rId15"/>
     <p:sldId id="536" r:id="rId16"/>
+    <p:sldId id="537" r:id="rId17"/>
+    <p:sldId id="538" r:id="rId18"/>
+    <p:sldId id="539" r:id="rId19"/>
+    <p:sldId id="541" r:id="rId20"/>
+    <p:sldId id="542" r:id="rId21"/>
+    <p:sldId id="540" r:id="rId22"/>
+    <p:sldId id="544" r:id="rId23"/>
+    <p:sldId id="545" r:id="rId24"/>
+    <p:sldId id="543" r:id="rId25"/>
+    <p:sldId id="546" r:id="rId26"/>
   </p:sldIdLst>
   <p:sldSz cx="12192000" cy="6858000"/>
   <p:notesSz cx="6858000" cy="9144000"/>
   <p:custDataLst>
-    <p:tags r:id="rId19"/>
+    <p:tags r:id="rId29"/>
   </p:custDataLst>
   <p:defaultTextStyle>
     <a:defPPr>
@@ -389,7 +399,7 @@
           <a:p>
             <a:fld id="{B5D7A87D-1CDA-443F-BAE3-82C9C05446C3}" type="datetimeFigureOut">
               <a:rPr lang="en-CA" smtClean="0"/>
-              <a:t>2022-03-21</a:t>
+              <a:t>2022-03-25</a:t>
             </a:fld>
             <a:endParaRPr lang="en-CA"/>
           </a:p>
@@ -837,6 +847,804 @@
 </p:notes>
 </file>
 
+<file path=ppt/notesSlides/notesSlide11.xml><?xml version="1.0" encoding="utf-8"?>
+<p:notes xmlns:a="http://schemas.openxmlformats.org/drawingml/2006/main" xmlns:r="http://schemas.openxmlformats.org/officeDocument/2006/relationships" xmlns:p="http://schemas.openxmlformats.org/presentationml/2006/main">
+  <p:cSld>
+    <p:spTree>
+      <p:nvGrpSpPr>
+        <p:cNvPr id="1" name=""/>
+        <p:cNvGrpSpPr/>
+        <p:nvPr/>
+      </p:nvGrpSpPr>
+      <p:grpSpPr>
+        <a:xfrm>
+          <a:off x="0" y="0"/>
+          <a:ext cx="0" cy="0"/>
+          <a:chOff x="0" y="0"/>
+          <a:chExt cx="0" cy="0"/>
+        </a:xfrm>
+      </p:grpSpPr>
+      <p:sp>
+        <p:nvSpPr>
+          <p:cNvPr id="2" name="Slide Image Placeholder 1"/>
+          <p:cNvSpPr>
+            <a:spLocks noGrp="1" noRot="1" noChangeAspect="1"/>
+          </p:cNvSpPr>
+          <p:nvPr>
+            <p:ph type="sldImg"/>
+          </p:nvPr>
+        </p:nvSpPr>
+        <p:spPr>
+          <a:xfrm>
+            <a:off x="381000" y="685800"/>
+            <a:ext cx="6096000" cy="3429000"/>
+          </a:xfrm>
+        </p:spPr>
+      </p:sp>
+      <p:sp>
+        <p:nvSpPr>
+          <p:cNvPr id="3" name="Notes Placeholder 2"/>
+          <p:cNvSpPr>
+            <a:spLocks noGrp="1"/>
+          </p:cNvSpPr>
+          <p:nvPr>
+            <p:ph type="body" idx="1"/>
+          </p:nvPr>
+        </p:nvSpPr>
+        <p:spPr/>
+        <p:txBody>
+          <a:bodyPr>
+            <a:normAutofit/>
+          </a:bodyPr>
+          <a:lstStyle/>
+          <a:p>
+            <a:endParaRPr lang="en-CA"/>
+          </a:p>
+        </p:txBody>
+      </p:sp>
+      <p:sp>
+        <p:nvSpPr>
+          <p:cNvPr id="4" name="Slide Number Placeholder 3"/>
+          <p:cNvSpPr>
+            <a:spLocks noGrp="1"/>
+          </p:cNvSpPr>
+          <p:nvPr>
+            <p:ph type="sldNum" sz="quarter" idx="10"/>
+          </p:nvPr>
+        </p:nvSpPr>
+        <p:spPr/>
+        <p:txBody>
+          <a:bodyPr/>
+          <a:lstStyle/>
+          <a:p>
+            <a:fld id="{20B9C825-F38E-45BB-92C1-043DE61C9183}" type="slidenum">
+              <a:rPr lang="en-CA" smtClean="0"/>
+              <a:t>13</a:t>
+            </a:fld>
+            <a:endParaRPr lang="en-CA"/>
+          </a:p>
+        </p:txBody>
+      </p:sp>
+    </p:spTree>
+    <p:extLst>
+      <p:ext uri="{BB962C8B-B14F-4D97-AF65-F5344CB8AC3E}">
+        <p14:creationId xmlns:p14="http://schemas.microsoft.com/office/powerpoint/2010/main" val="3186997134"/>
+      </p:ext>
+    </p:extLst>
+  </p:cSld>
+  <p:clrMapOvr>
+    <a:masterClrMapping/>
+  </p:clrMapOvr>
+</p:notes>
+</file>
+
+<file path=ppt/notesSlides/notesSlide12.xml><?xml version="1.0" encoding="utf-8"?>
+<p:notes xmlns:a="http://schemas.openxmlformats.org/drawingml/2006/main" xmlns:r="http://schemas.openxmlformats.org/officeDocument/2006/relationships" xmlns:p="http://schemas.openxmlformats.org/presentationml/2006/main">
+  <p:cSld>
+    <p:spTree>
+      <p:nvGrpSpPr>
+        <p:cNvPr id="1" name=""/>
+        <p:cNvGrpSpPr/>
+        <p:nvPr/>
+      </p:nvGrpSpPr>
+      <p:grpSpPr>
+        <a:xfrm>
+          <a:off x="0" y="0"/>
+          <a:ext cx="0" cy="0"/>
+          <a:chOff x="0" y="0"/>
+          <a:chExt cx="0" cy="0"/>
+        </a:xfrm>
+      </p:grpSpPr>
+      <p:sp>
+        <p:nvSpPr>
+          <p:cNvPr id="2" name="Slide Image Placeholder 1"/>
+          <p:cNvSpPr>
+            <a:spLocks noGrp="1" noRot="1" noChangeAspect="1"/>
+          </p:cNvSpPr>
+          <p:nvPr>
+            <p:ph type="sldImg"/>
+          </p:nvPr>
+        </p:nvSpPr>
+        <p:spPr>
+          <a:xfrm>
+            <a:off x="381000" y="685800"/>
+            <a:ext cx="6096000" cy="3429000"/>
+          </a:xfrm>
+        </p:spPr>
+      </p:sp>
+      <p:sp>
+        <p:nvSpPr>
+          <p:cNvPr id="3" name="Notes Placeholder 2"/>
+          <p:cNvSpPr>
+            <a:spLocks noGrp="1"/>
+          </p:cNvSpPr>
+          <p:nvPr>
+            <p:ph type="body" idx="1"/>
+          </p:nvPr>
+        </p:nvSpPr>
+        <p:spPr/>
+        <p:txBody>
+          <a:bodyPr>
+            <a:normAutofit/>
+          </a:bodyPr>
+          <a:lstStyle/>
+          <a:p>
+            <a:endParaRPr lang="en-CA" dirty="0"/>
+          </a:p>
+        </p:txBody>
+      </p:sp>
+      <p:sp>
+        <p:nvSpPr>
+          <p:cNvPr id="4" name="Slide Number Placeholder 3"/>
+          <p:cNvSpPr>
+            <a:spLocks noGrp="1"/>
+          </p:cNvSpPr>
+          <p:nvPr>
+            <p:ph type="sldNum" sz="quarter" idx="10"/>
+          </p:nvPr>
+        </p:nvSpPr>
+        <p:spPr/>
+        <p:txBody>
+          <a:bodyPr/>
+          <a:lstStyle/>
+          <a:p>
+            <a:fld id="{20B9C825-F38E-45BB-92C1-043DE61C9183}" type="slidenum">
+              <a:rPr lang="en-CA" smtClean="0"/>
+              <a:t>14</a:t>
+            </a:fld>
+            <a:endParaRPr lang="en-CA"/>
+          </a:p>
+        </p:txBody>
+      </p:sp>
+    </p:spTree>
+    <p:extLst>
+      <p:ext uri="{BB962C8B-B14F-4D97-AF65-F5344CB8AC3E}">
+        <p14:creationId xmlns:p14="http://schemas.microsoft.com/office/powerpoint/2010/main" val="2735406269"/>
+      </p:ext>
+    </p:extLst>
+  </p:cSld>
+  <p:clrMapOvr>
+    <a:masterClrMapping/>
+  </p:clrMapOvr>
+</p:notes>
+</file>
+
+<file path=ppt/notesSlides/notesSlide13.xml><?xml version="1.0" encoding="utf-8"?>
+<p:notes xmlns:a="http://schemas.openxmlformats.org/drawingml/2006/main" xmlns:r="http://schemas.openxmlformats.org/officeDocument/2006/relationships" xmlns:p="http://schemas.openxmlformats.org/presentationml/2006/main">
+  <p:cSld>
+    <p:spTree>
+      <p:nvGrpSpPr>
+        <p:cNvPr id="1" name=""/>
+        <p:cNvGrpSpPr/>
+        <p:nvPr/>
+      </p:nvGrpSpPr>
+      <p:grpSpPr>
+        <a:xfrm>
+          <a:off x="0" y="0"/>
+          <a:ext cx="0" cy="0"/>
+          <a:chOff x="0" y="0"/>
+          <a:chExt cx="0" cy="0"/>
+        </a:xfrm>
+      </p:grpSpPr>
+      <p:sp>
+        <p:nvSpPr>
+          <p:cNvPr id="2" name="Slide Image Placeholder 1"/>
+          <p:cNvSpPr>
+            <a:spLocks noGrp="1" noRot="1" noChangeAspect="1"/>
+          </p:cNvSpPr>
+          <p:nvPr>
+            <p:ph type="sldImg"/>
+          </p:nvPr>
+        </p:nvSpPr>
+        <p:spPr/>
+      </p:sp>
+      <p:sp>
+        <p:nvSpPr>
+          <p:cNvPr id="3" name="Notes Placeholder 2"/>
+          <p:cNvSpPr>
+            <a:spLocks noGrp="1"/>
+          </p:cNvSpPr>
+          <p:nvPr>
+            <p:ph type="body" idx="1"/>
+          </p:nvPr>
+        </p:nvSpPr>
+        <p:spPr/>
+        <p:txBody>
+          <a:bodyPr/>
+          <a:lstStyle/>
+          <a:p>
+            <a:endParaRPr lang="nl-NL" dirty="0"/>
+          </a:p>
+        </p:txBody>
+      </p:sp>
+      <p:sp>
+        <p:nvSpPr>
+          <p:cNvPr id="4" name="Slide Number Placeholder 3"/>
+          <p:cNvSpPr>
+            <a:spLocks noGrp="1"/>
+          </p:cNvSpPr>
+          <p:nvPr>
+            <p:ph type="sldNum" sz="quarter" idx="5"/>
+          </p:nvPr>
+        </p:nvSpPr>
+        <p:spPr/>
+        <p:txBody>
+          <a:bodyPr/>
+          <a:lstStyle/>
+          <a:p>
+            <a:fld id="{20B9C825-F38E-45BB-92C1-043DE61C9183}" type="slidenum">
+              <a:rPr lang="en-CA" smtClean="0"/>
+              <a:t>15</a:t>
+            </a:fld>
+            <a:endParaRPr lang="en-CA"/>
+          </a:p>
+        </p:txBody>
+      </p:sp>
+    </p:spTree>
+    <p:extLst>
+      <p:ext uri="{BB962C8B-B14F-4D97-AF65-F5344CB8AC3E}">
+        <p14:creationId xmlns:p14="http://schemas.microsoft.com/office/powerpoint/2010/main" val="2091959062"/>
+      </p:ext>
+    </p:extLst>
+  </p:cSld>
+  <p:clrMapOvr>
+    <a:masterClrMapping/>
+  </p:clrMapOvr>
+</p:notes>
+</file>
+
+<file path=ppt/notesSlides/notesSlide14.xml><?xml version="1.0" encoding="utf-8"?>
+<p:notes xmlns:a="http://schemas.openxmlformats.org/drawingml/2006/main" xmlns:r="http://schemas.openxmlformats.org/officeDocument/2006/relationships" xmlns:p="http://schemas.openxmlformats.org/presentationml/2006/main">
+  <p:cSld>
+    <p:spTree>
+      <p:nvGrpSpPr>
+        <p:cNvPr id="1" name=""/>
+        <p:cNvGrpSpPr/>
+        <p:nvPr/>
+      </p:nvGrpSpPr>
+      <p:grpSpPr>
+        <a:xfrm>
+          <a:off x="0" y="0"/>
+          <a:ext cx="0" cy="0"/>
+          <a:chOff x="0" y="0"/>
+          <a:chExt cx="0" cy="0"/>
+        </a:xfrm>
+      </p:grpSpPr>
+      <p:sp>
+        <p:nvSpPr>
+          <p:cNvPr id="2" name="Slide Image Placeholder 1"/>
+          <p:cNvSpPr>
+            <a:spLocks noGrp="1" noRot="1" noChangeAspect="1"/>
+          </p:cNvSpPr>
+          <p:nvPr>
+            <p:ph type="sldImg"/>
+          </p:nvPr>
+        </p:nvSpPr>
+        <p:spPr>
+          <a:xfrm>
+            <a:off x="381000" y="685800"/>
+            <a:ext cx="6096000" cy="3429000"/>
+          </a:xfrm>
+        </p:spPr>
+      </p:sp>
+      <p:sp>
+        <p:nvSpPr>
+          <p:cNvPr id="3" name="Notes Placeholder 2"/>
+          <p:cNvSpPr>
+            <a:spLocks noGrp="1"/>
+          </p:cNvSpPr>
+          <p:nvPr>
+            <p:ph type="body" idx="1"/>
+          </p:nvPr>
+        </p:nvSpPr>
+        <p:spPr/>
+        <p:txBody>
+          <a:bodyPr>
+            <a:normAutofit/>
+          </a:bodyPr>
+          <a:lstStyle/>
+          <a:p>
+            <a:endParaRPr lang="en-CA"/>
+          </a:p>
+        </p:txBody>
+      </p:sp>
+      <p:sp>
+        <p:nvSpPr>
+          <p:cNvPr id="4" name="Slide Number Placeholder 3"/>
+          <p:cNvSpPr>
+            <a:spLocks noGrp="1"/>
+          </p:cNvSpPr>
+          <p:nvPr>
+            <p:ph type="sldNum" sz="quarter" idx="10"/>
+          </p:nvPr>
+        </p:nvSpPr>
+        <p:spPr/>
+        <p:txBody>
+          <a:bodyPr/>
+          <a:lstStyle/>
+          <a:p>
+            <a:fld id="{20B9C825-F38E-45BB-92C1-043DE61C9183}" type="slidenum">
+              <a:rPr lang="en-CA" smtClean="0"/>
+              <a:t>16</a:t>
+            </a:fld>
+            <a:endParaRPr lang="en-CA"/>
+          </a:p>
+        </p:txBody>
+      </p:sp>
+    </p:spTree>
+    <p:extLst>
+      <p:ext uri="{BB962C8B-B14F-4D97-AF65-F5344CB8AC3E}">
+        <p14:creationId xmlns:p14="http://schemas.microsoft.com/office/powerpoint/2010/main" val="2911968208"/>
+      </p:ext>
+    </p:extLst>
+  </p:cSld>
+  <p:clrMapOvr>
+    <a:masterClrMapping/>
+  </p:clrMapOvr>
+</p:notes>
+</file>
+
+<file path=ppt/notesSlides/notesSlide15.xml><?xml version="1.0" encoding="utf-8"?>
+<p:notes xmlns:a="http://schemas.openxmlformats.org/drawingml/2006/main" xmlns:r="http://schemas.openxmlformats.org/officeDocument/2006/relationships" xmlns:p="http://schemas.openxmlformats.org/presentationml/2006/main">
+  <p:cSld>
+    <p:spTree>
+      <p:nvGrpSpPr>
+        <p:cNvPr id="1" name=""/>
+        <p:cNvGrpSpPr/>
+        <p:nvPr/>
+      </p:nvGrpSpPr>
+      <p:grpSpPr>
+        <a:xfrm>
+          <a:off x="0" y="0"/>
+          <a:ext cx="0" cy="0"/>
+          <a:chOff x="0" y="0"/>
+          <a:chExt cx="0" cy="0"/>
+        </a:xfrm>
+      </p:grpSpPr>
+      <p:sp>
+        <p:nvSpPr>
+          <p:cNvPr id="2" name="Slide Image Placeholder 1"/>
+          <p:cNvSpPr>
+            <a:spLocks noGrp="1" noRot="1" noChangeAspect="1"/>
+          </p:cNvSpPr>
+          <p:nvPr>
+            <p:ph type="sldImg"/>
+          </p:nvPr>
+        </p:nvSpPr>
+        <p:spPr/>
+      </p:sp>
+      <p:sp>
+        <p:nvSpPr>
+          <p:cNvPr id="3" name="Notes Placeholder 2"/>
+          <p:cNvSpPr>
+            <a:spLocks noGrp="1"/>
+          </p:cNvSpPr>
+          <p:nvPr>
+            <p:ph type="body" idx="1"/>
+          </p:nvPr>
+        </p:nvSpPr>
+        <p:spPr/>
+        <p:txBody>
+          <a:bodyPr/>
+          <a:lstStyle/>
+          <a:p>
+            <a:endParaRPr lang="nl-NL" dirty="0"/>
+          </a:p>
+        </p:txBody>
+      </p:sp>
+      <p:sp>
+        <p:nvSpPr>
+          <p:cNvPr id="4" name="Slide Number Placeholder 3"/>
+          <p:cNvSpPr>
+            <a:spLocks noGrp="1"/>
+          </p:cNvSpPr>
+          <p:nvPr>
+            <p:ph type="sldNum" sz="quarter" idx="5"/>
+          </p:nvPr>
+        </p:nvSpPr>
+        <p:spPr/>
+        <p:txBody>
+          <a:bodyPr/>
+          <a:lstStyle/>
+          <a:p>
+            <a:fld id="{20B9C825-F38E-45BB-92C1-043DE61C9183}" type="slidenum">
+              <a:rPr lang="en-CA" smtClean="0"/>
+              <a:t>17</a:t>
+            </a:fld>
+            <a:endParaRPr lang="en-CA"/>
+          </a:p>
+        </p:txBody>
+      </p:sp>
+    </p:spTree>
+    <p:extLst>
+      <p:ext uri="{BB962C8B-B14F-4D97-AF65-F5344CB8AC3E}">
+        <p14:creationId xmlns:p14="http://schemas.microsoft.com/office/powerpoint/2010/main" val="83940190"/>
+      </p:ext>
+    </p:extLst>
+  </p:cSld>
+  <p:clrMapOvr>
+    <a:masterClrMapping/>
+  </p:clrMapOvr>
+</p:notes>
+</file>
+
+<file path=ppt/notesSlides/notesSlide16.xml><?xml version="1.0" encoding="utf-8"?>
+<p:notes xmlns:a="http://schemas.openxmlformats.org/drawingml/2006/main" xmlns:r="http://schemas.openxmlformats.org/officeDocument/2006/relationships" xmlns:p="http://schemas.openxmlformats.org/presentationml/2006/main">
+  <p:cSld>
+    <p:spTree>
+      <p:nvGrpSpPr>
+        <p:cNvPr id="1" name=""/>
+        <p:cNvGrpSpPr/>
+        <p:nvPr/>
+      </p:nvGrpSpPr>
+      <p:grpSpPr>
+        <a:xfrm>
+          <a:off x="0" y="0"/>
+          <a:ext cx="0" cy="0"/>
+          <a:chOff x="0" y="0"/>
+          <a:chExt cx="0" cy="0"/>
+        </a:xfrm>
+      </p:grpSpPr>
+      <p:sp>
+        <p:nvSpPr>
+          <p:cNvPr id="2" name="Slide Image Placeholder 1"/>
+          <p:cNvSpPr>
+            <a:spLocks noGrp="1" noRot="1" noChangeAspect="1"/>
+          </p:cNvSpPr>
+          <p:nvPr>
+            <p:ph type="sldImg"/>
+          </p:nvPr>
+        </p:nvSpPr>
+        <p:spPr>
+          <a:xfrm>
+            <a:off x="381000" y="685800"/>
+            <a:ext cx="6096000" cy="3429000"/>
+          </a:xfrm>
+        </p:spPr>
+      </p:sp>
+      <p:sp>
+        <p:nvSpPr>
+          <p:cNvPr id="3" name="Notes Placeholder 2"/>
+          <p:cNvSpPr>
+            <a:spLocks noGrp="1"/>
+          </p:cNvSpPr>
+          <p:nvPr>
+            <p:ph type="body" idx="1"/>
+          </p:nvPr>
+        </p:nvSpPr>
+        <p:spPr/>
+        <p:txBody>
+          <a:bodyPr>
+            <a:normAutofit/>
+          </a:bodyPr>
+          <a:lstStyle/>
+          <a:p>
+            <a:endParaRPr lang="en-CA"/>
+          </a:p>
+        </p:txBody>
+      </p:sp>
+      <p:sp>
+        <p:nvSpPr>
+          <p:cNvPr id="4" name="Slide Number Placeholder 3"/>
+          <p:cNvSpPr>
+            <a:spLocks noGrp="1"/>
+          </p:cNvSpPr>
+          <p:nvPr>
+            <p:ph type="sldNum" sz="quarter" idx="10"/>
+          </p:nvPr>
+        </p:nvSpPr>
+        <p:spPr/>
+        <p:txBody>
+          <a:bodyPr/>
+          <a:lstStyle/>
+          <a:p>
+            <a:fld id="{20B9C825-F38E-45BB-92C1-043DE61C9183}" type="slidenum">
+              <a:rPr lang="en-CA" smtClean="0"/>
+              <a:t>18</a:t>
+            </a:fld>
+            <a:endParaRPr lang="en-CA"/>
+          </a:p>
+        </p:txBody>
+      </p:sp>
+    </p:spTree>
+    <p:extLst>
+      <p:ext uri="{BB962C8B-B14F-4D97-AF65-F5344CB8AC3E}">
+        <p14:creationId xmlns:p14="http://schemas.microsoft.com/office/powerpoint/2010/main" val="1707665488"/>
+      </p:ext>
+    </p:extLst>
+  </p:cSld>
+  <p:clrMapOvr>
+    <a:masterClrMapping/>
+  </p:clrMapOvr>
+</p:notes>
+</file>
+
+<file path=ppt/notesSlides/notesSlide17.xml><?xml version="1.0" encoding="utf-8"?>
+<p:notes xmlns:a="http://schemas.openxmlformats.org/drawingml/2006/main" xmlns:r="http://schemas.openxmlformats.org/officeDocument/2006/relationships" xmlns:p="http://schemas.openxmlformats.org/presentationml/2006/main">
+  <p:cSld>
+    <p:spTree>
+      <p:nvGrpSpPr>
+        <p:cNvPr id="1" name=""/>
+        <p:cNvGrpSpPr/>
+        <p:nvPr/>
+      </p:nvGrpSpPr>
+      <p:grpSpPr>
+        <a:xfrm>
+          <a:off x="0" y="0"/>
+          <a:ext cx="0" cy="0"/>
+          <a:chOff x="0" y="0"/>
+          <a:chExt cx="0" cy="0"/>
+        </a:xfrm>
+      </p:grpSpPr>
+      <p:sp>
+        <p:nvSpPr>
+          <p:cNvPr id="2" name="Slide Image Placeholder 1"/>
+          <p:cNvSpPr>
+            <a:spLocks noGrp="1" noRot="1" noChangeAspect="1"/>
+          </p:cNvSpPr>
+          <p:nvPr>
+            <p:ph type="sldImg"/>
+          </p:nvPr>
+        </p:nvSpPr>
+        <p:spPr>
+          <a:xfrm>
+            <a:off x="381000" y="685800"/>
+            <a:ext cx="6096000" cy="3429000"/>
+          </a:xfrm>
+        </p:spPr>
+      </p:sp>
+      <p:sp>
+        <p:nvSpPr>
+          <p:cNvPr id="3" name="Notes Placeholder 2"/>
+          <p:cNvSpPr>
+            <a:spLocks noGrp="1"/>
+          </p:cNvSpPr>
+          <p:nvPr>
+            <p:ph type="body" idx="1"/>
+          </p:nvPr>
+        </p:nvSpPr>
+        <p:spPr/>
+        <p:txBody>
+          <a:bodyPr>
+            <a:normAutofit/>
+          </a:bodyPr>
+          <a:lstStyle/>
+          <a:p>
+            <a:endParaRPr lang="en-CA"/>
+          </a:p>
+        </p:txBody>
+      </p:sp>
+      <p:sp>
+        <p:nvSpPr>
+          <p:cNvPr id="4" name="Slide Number Placeholder 3"/>
+          <p:cNvSpPr>
+            <a:spLocks noGrp="1"/>
+          </p:cNvSpPr>
+          <p:nvPr>
+            <p:ph type="sldNum" sz="quarter" idx="10"/>
+          </p:nvPr>
+        </p:nvSpPr>
+        <p:spPr/>
+        <p:txBody>
+          <a:bodyPr/>
+          <a:lstStyle/>
+          <a:p>
+            <a:fld id="{20B9C825-F38E-45BB-92C1-043DE61C9183}" type="slidenum">
+              <a:rPr lang="en-CA" smtClean="0"/>
+              <a:t>19</a:t>
+            </a:fld>
+            <a:endParaRPr lang="en-CA"/>
+          </a:p>
+        </p:txBody>
+      </p:sp>
+    </p:spTree>
+    <p:extLst>
+      <p:ext uri="{BB962C8B-B14F-4D97-AF65-F5344CB8AC3E}">
+        <p14:creationId xmlns:p14="http://schemas.microsoft.com/office/powerpoint/2010/main" val="3947745790"/>
+      </p:ext>
+    </p:extLst>
+  </p:cSld>
+  <p:clrMapOvr>
+    <a:masterClrMapping/>
+  </p:clrMapOvr>
+</p:notes>
+</file>
+
+<file path=ppt/notesSlides/notesSlide18.xml><?xml version="1.0" encoding="utf-8"?>
+<p:notes xmlns:a="http://schemas.openxmlformats.org/drawingml/2006/main" xmlns:r="http://schemas.openxmlformats.org/officeDocument/2006/relationships" xmlns:p="http://schemas.openxmlformats.org/presentationml/2006/main">
+  <p:cSld>
+    <p:spTree>
+      <p:nvGrpSpPr>
+        <p:cNvPr id="1" name=""/>
+        <p:cNvGrpSpPr/>
+        <p:nvPr/>
+      </p:nvGrpSpPr>
+      <p:grpSpPr>
+        <a:xfrm>
+          <a:off x="0" y="0"/>
+          <a:ext cx="0" cy="0"/>
+          <a:chOff x="0" y="0"/>
+          <a:chExt cx="0" cy="0"/>
+        </a:xfrm>
+      </p:grpSpPr>
+      <p:sp>
+        <p:nvSpPr>
+          <p:cNvPr id="2" name="Slide Image Placeholder 1"/>
+          <p:cNvSpPr>
+            <a:spLocks noGrp="1" noRot="1" noChangeAspect="1"/>
+          </p:cNvSpPr>
+          <p:nvPr>
+            <p:ph type="sldImg"/>
+          </p:nvPr>
+        </p:nvSpPr>
+        <p:spPr/>
+      </p:sp>
+      <p:sp>
+        <p:nvSpPr>
+          <p:cNvPr id="3" name="Notes Placeholder 2"/>
+          <p:cNvSpPr>
+            <a:spLocks noGrp="1"/>
+          </p:cNvSpPr>
+          <p:nvPr>
+            <p:ph type="body" idx="1"/>
+          </p:nvPr>
+        </p:nvSpPr>
+        <p:spPr/>
+        <p:txBody>
+          <a:bodyPr/>
+          <a:lstStyle/>
+          <a:p>
+            <a:endParaRPr lang="nl-NL" dirty="0"/>
+          </a:p>
+        </p:txBody>
+      </p:sp>
+      <p:sp>
+        <p:nvSpPr>
+          <p:cNvPr id="4" name="Slide Number Placeholder 3"/>
+          <p:cNvSpPr>
+            <a:spLocks noGrp="1"/>
+          </p:cNvSpPr>
+          <p:nvPr>
+            <p:ph type="sldNum" sz="quarter" idx="5"/>
+          </p:nvPr>
+        </p:nvSpPr>
+        <p:spPr/>
+        <p:txBody>
+          <a:bodyPr/>
+          <a:lstStyle/>
+          <a:p>
+            <a:fld id="{20B9C825-F38E-45BB-92C1-043DE61C9183}" type="slidenum">
+              <a:rPr lang="en-CA" smtClean="0"/>
+              <a:t>20</a:t>
+            </a:fld>
+            <a:endParaRPr lang="en-CA"/>
+          </a:p>
+        </p:txBody>
+      </p:sp>
+    </p:spTree>
+    <p:extLst>
+      <p:ext uri="{BB962C8B-B14F-4D97-AF65-F5344CB8AC3E}">
+        <p14:creationId xmlns:p14="http://schemas.microsoft.com/office/powerpoint/2010/main" val="2884702933"/>
+      </p:ext>
+    </p:extLst>
+  </p:cSld>
+  <p:clrMapOvr>
+    <a:masterClrMapping/>
+  </p:clrMapOvr>
+</p:notes>
+</file>
+
+<file path=ppt/notesSlides/notesSlide19.xml><?xml version="1.0" encoding="utf-8"?>
+<p:notes xmlns:a="http://schemas.openxmlformats.org/drawingml/2006/main" xmlns:r="http://schemas.openxmlformats.org/officeDocument/2006/relationships" xmlns:p="http://schemas.openxmlformats.org/presentationml/2006/main">
+  <p:cSld>
+    <p:spTree>
+      <p:nvGrpSpPr>
+        <p:cNvPr id="1" name=""/>
+        <p:cNvGrpSpPr/>
+        <p:nvPr/>
+      </p:nvGrpSpPr>
+      <p:grpSpPr>
+        <a:xfrm>
+          <a:off x="0" y="0"/>
+          <a:ext cx="0" cy="0"/>
+          <a:chOff x="0" y="0"/>
+          <a:chExt cx="0" cy="0"/>
+        </a:xfrm>
+      </p:grpSpPr>
+      <p:sp>
+        <p:nvSpPr>
+          <p:cNvPr id="2" name="Slide Image Placeholder 1"/>
+          <p:cNvSpPr>
+            <a:spLocks noGrp="1" noRot="1" noChangeAspect="1"/>
+          </p:cNvSpPr>
+          <p:nvPr>
+            <p:ph type="sldImg"/>
+          </p:nvPr>
+        </p:nvSpPr>
+        <p:spPr>
+          <a:xfrm>
+            <a:off x="381000" y="685800"/>
+            <a:ext cx="6096000" cy="3429000"/>
+          </a:xfrm>
+        </p:spPr>
+      </p:sp>
+      <p:sp>
+        <p:nvSpPr>
+          <p:cNvPr id="3" name="Notes Placeholder 2"/>
+          <p:cNvSpPr>
+            <a:spLocks noGrp="1"/>
+          </p:cNvSpPr>
+          <p:nvPr>
+            <p:ph type="body" idx="1"/>
+          </p:nvPr>
+        </p:nvSpPr>
+        <p:spPr/>
+        <p:txBody>
+          <a:bodyPr>
+            <a:normAutofit/>
+          </a:bodyPr>
+          <a:lstStyle/>
+          <a:p>
+            <a:endParaRPr lang="en-CA"/>
+          </a:p>
+        </p:txBody>
+      </p:sp>
+      <p:sp>
+        <p:nvSpPr>
+          <p:cNvPr id="4" name="Slide Number Placeholder 3"/>
+          <p:cNvSpPr>
+            <a:spLocks noGrp="1"/>
+          </p:cNvSpPr>
+          <p:nvPr>
+            <p:ph type="sldNum" sz="quarter" idx="10"/>
+          </p:nvPr>
+        </p:nvSpPr>
+        <p:spPr/>
+        <p:txBody>
+          <a:bodyPr/>
+          <a:lstStyle/>
+          <a:p>
+            <a:fld id="{20B9C825-F38E-45BB-92C1-043DE61C9183}" type="slidenum">
+              <a:rPr lang="en-CA" smtClean="0"/>
+              <a:t>21</a:t>
+            </a:fld>
+            <a:endParaRPr lang="en-CA"/>
+          </a:p>
+        </p:txBody>
+      </p:sp>
+    </p:spTree>
+    <p:extLst>
+      <p:ext uri="{BB962C8B-B14F-4D97-AF65-F5344CB8AC3E}">
+        <p14:creationId xmlns:p14="http://schemas.microsoft.com/office/powerpoint/2010/main" val="1440830752"/>
+      </p:ext>
+    </p:extLst>
+  </p:cSld>
+  <p:clrMapOvr>
+    <a:masterClrMapping/>
+  </p:clrMapOvr>
+</p:notes>
+</file>
+
 <file path=ppt/notesSlides/notesSlide2.xml><?xml version="1.0" encoding="utf-8"?>
 <p:notes xmlns:a="http://schemas.openxmlformats.org/drawingml/2006/main" xmlns:r="http://schemas.openxmlformats.org/officeDocument/2006/relationships" xmlns:p="http://schemas.openxmlformats.org/presentationml/2006/main">
   <p:cSld>
@@ -923,6 +1731,97 @@
     <p:extLst>
       <p:ext uri="{BB962C8B-B14F-4D97-AF65-F5344CB8AC3E}">
         <p14:creationId xmlns:p14="http://schemas.microsoft.com/office/powerpoint/2010/main" val="1779704678"/>
+      </p:ext>
+    </p:extLst>
+  </p:cSld>
+  <p:clrMapOvr>
+    <a:masterClrMapping/>
+  </p:clrMapOvr>
+</p:notes>
+</file>
+
+<file path=ppt/notesSlides/notesSlide20.xml><?xml version="1.0" encoding="utf-8"?>
+<p:notes xmlns:a="http://schemas.openxmlformats.org/drawingml/2006/main" xmlns:r="http://schemas.openxmlformats.org/officeDocument/2006/relationships" xmlns:p="http://schemas.openxmlformats.org/presentationml/2006/main">
+  <p:cSld>
+    <p:spTree>
+      <p:nvGrpSpPr>
+        <p:cNvPr id="1" name=""/>
+        <p:cNvGrpSpPr/>
+        <p:nvPr/>
+      </p:nvGrpSpPr>
+      <p:grpSpPr>
+        <a:xfrm>
+          <a:off x="0" y="0"/>
+          <a:ext cx="0" cy="0"/>
+          <a:chOff x="0" y="0"/>
+          <a:chExt cx="0" cy="0"/>
+        </a:xfrm>
+      </p:grpSpPr>
+      <p:sp>
+        <p:nvSpPr>
+          <p:cNvPr id="2" name="Slide Image Placeholder 1"/>
+          <p:cNvSpPr>
+            <a:spLocks noGrp="1" noRot="1" noChangeAspect="1"/>
+          </p:cNvSpPr>
+          <p:nvPr>
+            <p:ph type="sldImg"/>
+          </p:nvPr>
+        </p:nvSpPr>
+        <p:spPr>
+          <a:xfrm>
+            <a:off x="381000" y="685800"/>
+            <a:ext cx="6096000" cy="3429000"/>
+          </a:xfrm>
+        </p:spPr>
+      </p:sp>
+      <p:sp>
+        <p:nvSpPr>
+          <p:cNvPr id="3" name="Notes Placeholder 2"/>
+          <p:cNvSpPr>
+            <a:spLocks noGrp="1"/>
+          </p:cNvSpPr>
+          <p:nvPr>
+            <p:ph type="body" idx="1"/>
+          </p:nvPr>
+        </p:nvSpPr>
+        <p:spPr/>
+        <p:txBody>
+          <a:bodyPr>
+            <a:normAutofit/>
+          </a:bodyPr>
+          <a:lstStyle/>
+          <a:p>
+            <a:endParaRPr lang="en-CA"/>
+          </a:p>
+        </p:txBody>
+      </p:sp>
+      <p:sp>
+        <p:nvSpPr>
+          <p:cNvPr id="4" name="Slide Number Placeholder 3"/>
+          <p:cNvSpPr>
+            <a:spLocks noGrp="1"/>
+          </p:cNvSpPr>
+          <p:nvPr>
+            <p:ph type="sldNum" sz="quarter" idx="10"/>
+          </p:nvPr>
+        </p:nvSpPr>
+        <p:spPr/>
+        <p:txBody>
+          <a:bodyPr/>
+          <a:lstStyle/>
+          <a:p>
+            <a:fld id="{20B9C825-F38E-45BB-92C1-043DE61C9183}" type="slidenum">
+              <a:rPr lang="en-CA" smtClean="0"/>
+              <a:t>22</a:t>
+            </a:fld>
+            <a:endParaRPr lang="en-CA"/>
+          </a:p>
+        </p:txBody>
+      </p:sp>
+    </p:spTree>
+    <p:extLst>
+      <p:ext uri="{BB962C8B-B14F-4D97-AF65-F5344CB8AC3E}">
+        <p14:creationId xmlns:p14="http://schemas.microsoft.com/office/powerpoint/2010/main" val="892713773"/>
       </p:ext>
     </p:extLst>
   </p:cSld>
@@ -28303,6 +29202,948 @@
 </p:sld>
 </file>
 
+<file path=ppt/slides/slide13.xml><?xml version="1.0" encoding="utf-8"?>
+<p:sld xmlns:a="http://schemas.openxmlformats.org/drawingml/2006/main" xmlns:r="http://schemas.openxmlformats.org/officeDocument/2006/relationships" xmlns:p="http://schemas.openxmlformats.org/presentationml/2006/main">
+  <p:cSld>
+    <p:spTree>
+      <p:nvGrpSpPr>
+        <p:cNvPr id="1" name=""/>
+        <p:cNvGrpSpPr/>
+        <p:nvPr/>
+      </p:nvGrpSpPr>
+      <p:grpSpPr>
+        <a:xfrm>
+          <a:off x="0" y="0"/>
+          <a:ext cx="0" cy="0"/>
+          <a:chOff x="0" y="0"/>
+          <a:chExt cx="0" cy="0"/>
+        </a:xfrm>
+      </p:grpSpPr>
+      <p:sp>
+        <p:nvSpPr>
+          <p:cNvPr id="6" name="Titre 5">
+            <a:extLst>
+              <a:ext uri="{FF2B5EF4-FFF2-40B4-BE49-F238E27FC236}">
+                <a16:creationId xmlns:a16="http://schemas.microsoft.com/office/drawing/2014/main" id="{D8915DC9-D253-DC48-ADEE-A24C501319AA}"/>
+              </a:ext>
+            </a:extLst>
+          </p:cNvPr>
+          <p:cNvSpPr>
+            <a:spLocks noGrp="1"/>
+          </p:cNvSpPr>
+          <p:nvPr>
+            <p:ph type="title"/>
+          </p:nvPr>
+        </p:nvSpPr>
+        <p:spPr/>
+        <p:txBody>
+          <a:bodyPr>
+            <a:normAutofit/>
+          </a:bodyPr>
+          <a:lstStyle/>
+          <a:p>
+            <a:r>
+              <a:rPr lang="en-CA" dirty="0"/>
+              <a:t>Demonstration: Create your own Hello world.</a:t>
+            </a:r>
+          </a:p>
+        </p:txBody>
+      </p:sp>
+      <p:sp>
+        <p:nvSpPr>
+          <p:cNvPr id="5" name="Espace réservé du numéro de diapositive 2">
+            <a:extLst>
+              <a:ext uri="{FF2B5EF4-FFF2-40B4-BE49-F238E27FC236}">
+                <a16:creationId xmlns:a16="http://schemas.microsoft.com/office/drawing/2014/main" id="{2DC9FD3B-E279-C240-9B66-4C6A7A3EC923}"/>
+              </a:ext>
+            </a:extLst>
+          </p:cNvPr>
+          <p:cNvSpPr>
+            <a:spLocks noGrp="1"/>
+          </p:cNvSpPr>
+          <p:nvPr>
+            <p:ph type="sldNum" sz="quarter" idx="4"/>
+          </p:nvPr>
+        </p:nvSpPr>
+        <p:spPr>
+          <a:xfrm>
+            <a:off x="11163034" y="6264308"/>
+            <a:ext cx="261660" cy="169200"/>
+          </a:xfrm>
+        </p:spPr>
+        <p:txBody>
+          <a:bodyPr/>
+          <a:lstStyle/>
+          <a:p>
+            <a:fld id="{525A3C56-E491-49B2-93F3-63532DF516BC}" type="slidenum">
+              <a:rPr lang="en-CA" smtClean="0"/>
+              <a:t>13</a:t>
+            </a:fld>
+            <a:endParaRPr lang="en-CA"/>
+          </a:p>
+        </p:txBody>
+      </p:sp>
+    </p:spTree>
+    <p:extLst>
+      <p:ext uri="{BB962C8B-B14F-4D97-AF65-F5344CB8AC3E}">
+        <p14:creationId xmlns:p14="http://schemas.microsoft.com/office/powerpoint/2010/main" val="779050770"/>
+      </p:ext>
+    </p:extLst>
+  </p:cSld>
+  <p:clrMapOvr>
+    <a:masterClrMapping/>
+  </p:clrMapOvr>
+  <p:transition/>
+</p:sld>
+</file>
+
+<file path=ppt/slides/slide14.xml><?xml version="1.0" encoding="utf-8"?>
+<p:sld xmlns:a="http://schemas.openxmlformats.org/drawingml/2006/main" xmlns:r="http://schemas.openxmlformats.org/officeDocument/2006/relationships" xmlns:p="http://schemas.openxmlformats.org/presentationml/2006/main">
+  <p:cSld>
+    <p:spTree>
+      <p:nvGrpSpPr>
+        <p:cNvPr id="1" name=""/>
+        <p:cNvGrpSpPr/>
+        <p:nvPr/>
+      </p:nvGrpSpPr>
+      <p:grpSpPr>
+        <a:xfrm>
+          <a:off x="0" y="0"/>
+          <a:ext cx="0" cy="0"/>
+          <a:chOff x="0" y="0"/>
+          <a:chExt cx="0" cy="0"/>
+        </a:xfrm>
+      </p:grpSpPr>
+      <p:sp>
+        <p:nvSpPr>
+          <p:cNvPr id="6" name="Titre 5">
+            <a:extLst>
+              <a:ext uri="{FF2B5EF4-FFF2-40B4-BE49-F238E27FC236}">
+                <a16:creationId xmlns:a16="http://schemas.microsoft.com/office/drawing/2014/main" id="{D8915DC9-D253-DC48-ADEE-A24C501319AA}"/>
+              </a:ext>
+            </a:extLst>
+          </p:cNvPr>
+          <p:cNvSpPr>
+            <a:spLocks noGrp="1"/>
+          </p:cNvSpPr>
+          <p:nvPr>
+            <p:ph type="title"/>
+          </p:nvPr>
+        </p:nvSpPr>
+        <p:spPr/>
+        <p:txBody>
+          <a:bodyPr>
+            <a:normAutofit/>
+          </a:bodyPr>
+          <a:lstStyle/>
+          <a:p>
+            <a:r>
+              <a:rPr lang="en-CA" dirty="0"/>
+              <a:t>Exercise: Create your own hello world.</a:t>
+            </a:r>
+          </a:p>
+        </p:txBody>
+      </p:sp>
+      <p:sp>
+        <p:nvSpPr>
+          <p:cNvPr id="5" name="Espace réservé du numéro de diapositive 2">
+            <a:extLst>
+              <a:ext uri="{FF2B5EF4-FFF2-40B4-BE49-F238E27FC236}">
+                <a16:creationId xmlns:a16="http://schemas.microsoft.com/office/drawing/2014/main" id="{2DC9FD3B-E279-C240-9B66-4C6A7A3EC923}"/>
+              </a:ext>
+            </a:extLst>
+          </p:cNvPr>
+          <p:cNvSpPr>
+            <a:spLocks noGrp="1"/>
+          </p:cNvSpPr>
+          <p:nvPr>
+            <p:ph type="sldNum" sz="quarter" idx="4"/>
+          </p:nvPr>
+        </p:nvSpPr>
+        <p:spPr>
+          <a:xfrm>
+            <a:off x="11163034" y="6264308"/>
+            <a:ext cx="261660" cy="169200"/>
+          </a:xfrm>
+        </p:spPr>
+        <p:txBody>
+          <a:bodyPr/>
+          <a:lstStyle/>
+          <a:p>
+            <a:fld id="{525A3C56-E491-49B2-93F3-63532DF516BC}" type="slidenum">
+              <a:rPr lang="en-CA" smtClean="0"/>
+              <a:t>14</a:t>
+            </a:fld>
+            <a:endParaRPr lang="en-CA"/>
+          </a:p>
+        </p:txBody>
+      </p:sp>
+    </p:spTree>
+    <p:extLst>
+      <p:ext uri="{BB962C8B-B14F-4D97-AF65-F5344CB8AC3E}">
+        <p14:creationId xmlns:p14="http://schemas.microsoft.com/office/powerpoint/2010/main" val="1717012088"/>
+      </p:ext>
+    </p:extLst>
+  </p:cSld>
+  <p:clrMapOvr>
+    <a:masterClrMapping/>
+  </p:clrMapOvr>
+  <p:transition/>
+</p:sld>
+</file>
+
+<file path=ppt/slides/slide15.xml><?xml version="1.0" encoding="utf-8"?>
+<p:sld xmlns:a="http://schemas.openxmlformats.org/drawingml/2006/main" xmlns:r="http://schemas.openxmlformats.org/officeDocument/2006/relationships" xmlns:p="http://schemas.openxmlformats.org/presentationml/2006/main">
+  <p:cSld>
+    <p:spTree>
+      <p:nvGrpSpPr>
+        <p:cNvPr id="1" name=""/>
+        <p:cNvGrpSpPr/>
+        <p:nvPr/>
+      </p:nvGrpSpPr>
+      <p:grpSpPr>
+        <a:xfrm>
+          <a:off x="0" y="0"/>
+          <a:ext cx="0" cy="0"/>
+          <a:chOff x="0" y="0"/>
+          <a:chExt cx="0" cy="0"/>
+        </a:xfrm>
+      </p:grpSpPr>
+      <p:sp>
+        <p:nvSpPr>
+          <p:cNvPr id="2" name="Title 1">
+            <a:extLst>
+              <a:ext uri="{FF2B5EF4-FFF2-40B4-BE49-F238E27FC236}">
+                <a16:creationId xmlns:a16="http://schemas.microsoft.com/office/drawing/2014/main" id="{A098741F-C9DE-48BC-829B-6F985817EC3B}"/>
+              </a:ext>
+            </a:extLst>
+          </p:cNvPr>
+          <p:cNvSpPr>
+            <a:spLocks noGrp="1"/>
+          </p:cNvSpPr>
+          <p:nvPr>
+            <p:ph type="title"/>
+          </p:nvPr>
+        </p:nvSpPr>
+        <p:spPr/>
+        <p:txBody>
+          <a:bodyPr/>
+          <a:lstStyle/>
+          <a:p>
+            <a:r>
+              <a:rPr lang="nl-NL" dirty="0" err="1"/>
+              <a:t>Exercise</a:t>
+            </a:r>
+            <a:r>
+              <a:rPr lang="nl-NL" dirty="0"/>
+              <a:t>: </a:t>
+            </a:r>
+            <a:r>
+              <a:rPr lang="nl-NL" dirty="0" err="1"/>
+              <a:t>Create</a:t>
+            </a:r>
+            <a:r>
+              <a:rPr lang="nl-NL" dirty="0"/>
+              <a:t> </a:t>
+            </a:r>
+            <a:r>
+              <a:rPr lang="nl-NL" dirty="0" err="1"/>
+              <a:t>your</a:t>
+            </a:r>
+            <a:r>
+              <a:rPr lang="nl-NL" dirty="0"/>
+              <a:t> </a:t>
+            </a:r>
+            <a:r>
+              <a:rPr lang="nl-NL" dirty="0" err="1"/>
+              <a:t>own</a:t>
+            </a:r>
+            <a:r>
+              <a:rPr lang="nl-NL" dirty="0"/>
+              <a:t> </a:t>
+            </a:r>
+            <a:r>
+              <a:rPr lang="nl-NL" dirty="0" err="1"/>
+              <a:t>Hello</a:t>
+            </a:r>
+            <a:r>
+              <a:rPr lang="nl-NL" dirty="0"/>
+              <a:t> </a:t>
+            </a:r>
+            <a:r>
+              <a:rPr lang="nl-NL" dirty="0" err="1"/>
+              <a:t>world</a:t>
+            </a:r>
+            <a:r>
+              <a:rPr lang="nl-NL" dirty="0"/>
+              <a:t> container.</a:t>
+            </a:r>
+          </a:p>
+        </p:txBody>
+      </p:sp>
+      <p:sp>
+        <p:nvSpPr>
+          <p:cNvPr id="3" name="Content Placeholder 2">
+            <a:extLst>
+              <a:ext uri="{FF2B5EF4-FFF2-40B4-BE49-F238E27FC236}">
+                <a16:creationId xmlns:a16="http://schemas.microsoft.com/office/drawing/2014/main" id="{924D5ECF-0D33-4D03-9646-FE69E47A20AF}"/>
+              </a:ext>
+            </a:extLst>
+          </p:cNvPr>
+          <p:cNvSpPr>
+            <a:spLocks noGrp="1"/>
+          </p:cNvSpPr>
+          <p:nvPr>
+            <p:ph sz="quarter" idx="17"/>
+          </p:nvPr>
+        </p:nvSpPr>
+        <p:spPr/>
+        <p:txBody>
+          <a:bodyPr/>
+          <a:lstStyle/>
+          <a:p>
+            <a:r>
+              <a:rPr lang="nl-NL" dirty="0"/>
+              <a:t>Step 1: </a:t>
+            </a:r>
+            <a:r>
+              <a:rPr lang="nl-NL" dirty="0" err="1"/>
+              <a:t>Create</a:t>
+            </a:r>
+            <a:r>
+              <a:rPr lang="nl-NL" dirty="0"/>
+              <a:t> 1 </a:t>
+            </a:r>
+            <a:r>
+              <a:rPr lang="nl-NL" dirty="0" err="1"/>
+              <a:t>simple</a:t>
+            </a:r>
+            <a:r>
+              <a:rPr lang="nl-NL" dirty="0"/>
+              <a:t> </a:t>
+            </a:r>
+            <a:r>
+              <a:rPr lang="nl-NL" dirty="0" err="1"/>
+              <a:t>java</a:t>
+            </a:r>
+            <a:r>
+              <a:rPr lang="nl-NL" dirty="0"/>
+              <a:t> program.</a:t>
+            </a:r>
+          </a:p>
+          <a:p>
+            <a:r>
+              <a:rPr lang="nl-NL" dirty="0"/>
+              <a:t>Step 2: </a:t>
+            </a:r>
+            <a:r>
+              <a:rPr lang="nl-NL" dirty="0" err="1"/>
+              <a:t>Find</a:t>
+            </a:r>
+            <a:r>
+              <a:rPr lang="nl-NL" dirty="0"/>
+              <a:t> base image. (</a:t>
+            </a:r>
+            <a:r>
+              <a:rPr lang="nl-NL" dirty="0" err="1"/>
+              <a:t>with</a:t>
+            </a:r>
+            <a:r>
+              <a:rPr lang="nl-NL" dirty="0"/>
+              <a:t> correct </a:t>
+            </a:r>
+            <a:r>
+              <a:rPr lang="nl-NL" dirty="0" err="1"/>
+              <a:t>requirements</a:t>
+            </a:r>
+            <a:r>
+              <a:rPr lang="nl-NL" dirty="0"/>
+              <a:t> e.g. JDK) </a:t>
+            </a:r>
+          </a:p>
+          <a:p>
+            <a:r>
+              <a:rPr lang="nl-NL" dirty="0"/>
+              <a:t>Step 3: </a:t>
+            </a:r>
+            <a:r>
+              <a:rPr lang="nl-NL" dirty="0" err="1"/>
+              <a:t>Create</a:t>
+            </a:r>
+            <a:r>
+              <a:rPr lang="nl-NL" dirty="0"/>
+              <a:t> </a:t>
+            </a:r>
+            <a:r>
+              <a:rPr lang="nl-NL" dirty="0" err="1"/>
+              <a:t>Dockerfile</a:t>
+            </a:r>
+            <a:r>
+              <a:rPr lang="nl-NL" dirty="0"/>
+              <a:t>.</a:t>
+            </a:r>
+          </a:p>
+          <a:p>
+            <a:r>
+              <a:rPr lang="nl-NL" dirty="0"/>
+              <a:t>Step 4: </a:t>
+            </a:r>
+            <a:r>
+              <a:rPr lang="nl-NL" dirty="0" err="1"/>
+              <a:t>build</a:t>
+            </a:r>
+            <a:r>
+              <a:rPr lang="nl-NL" dirty="0"/>
+              <a:t> </a:t>
+            </a:r>
+            <a:r>
+              <a:rPr lang="nl-NL" dirty="0" err="1"/>
+              <a:t>and</a:t>
+            </a:r>
+            <a:r>
+              <a:rPr lang="nl-NL" dirty="0"/>
+              <a:t> run container.</a:t>
+            </a:r>
+          </a:p>
+          <a:p>
+            <a:endParaRPr lang="nl-NL" dirty="0"/>
+          </a:p>
+          <a:p>
+            <a:endParaRPr lang="nl-NL" dirty="0"/>
+          </a:p>
+        </p:txBody>
+      </p:sp>
+      <p:sp>
+        <p:nvSpPr>
+          <p:cNvPr id="4" name="Slide Number Placeholder 3">
+            <a:extLst>
+              <a:ext uri="{FF2B5EF4-FFF2-40B4-BE49-F238E27FC236}">
+                <a16:creationId xmlns:a16="http://schemas.microsoft.com/office/drawing/2014/main" id="{942EDA24-9A2D-4314-B8D8-DB06F6DA18D8}"/>
+              </a:ext>
+            </a:extLst>
+          </p:cNvPr>
+          <p:cNvSpPr>
+            <a:spLocks noGrp="1"/>
+          </p:cNvSpPr>
+          <p:nvPr>
+            <p:ph type="sldNum" sz="quarter" idx="4"/>
+          </p:nvPr>
+        </p:nvSpPr>
+        <p:spPr/>
+        <p:txBody>
+          <a:bodyPr/>
+          <a:lstStyle/>
+          <a:p>
+            <a:fld id="{525A3C56-E491-49B2-93F3-63532DF516BC}" type="slidenum">
+              <a:rPr lang="en-CA" smtClean="0"/>
+              <a:t>15</a:t>
+            </a:fld>
+            <a:endParaRPr lang="en-CA"/>
+          </a:p>
+        </p:txBody>
+      </p:sp>
+    </p:spTree>
+    <p:extLst>
+      <p:ext uri="{BB962C8B-B14F-4D97-AF65-F5344CB8AC3E}">
+        <p14:creationId xmlns:p14="http://schemas.microsoft.com/office/powerpoint/2010/main" val="1355077837"/>
+      </p:ext>
+    </p:extLst>
+  </p:cSld>
+  <p:clrMapOvr>
+    <a:masterClrMapping/>
+  </p:clrMapOvr>
+  <p:transition/>
+</p:sld>
+</file>
+
+<file path=ppt/slides/slide16.xml><?xml version="1.0" encoding="utf-8"?>
+<p:sld xmlns:a="http://schemas.openxmlformats.org/drawingml/2006/main" xmlns:r="http://schemas.openxmlformats.org/officeDocument/2006/relationships" xmlns:p="http://schemas.openxmlformats.org/presentationml/2006/main">
+  <p:cSld>
+    <p:spTree>
+      <p:nvGrpSpPr>
+        <p:cNvPr id="1" name=""/>
+        <p:cNvGrpSpPr/>
+        <p:nvPr/>
+      </p:nvGrpSpPr>
+      <p:grpSpPr>
+        <a:xfrm>
+          <a:off x="0" y="0"/>
+          <a:ext cx="0" cy="0"/>
+          <a:chOff x="0" y="0"/>
+          <a:chExt cx="0" cy="0"/>
+        </a:xfrm>
+      </p:grpSpPr>
+      <p:sp>
+        <p:nvSpPr>
+          <p:cNvPr id="6" name="Titre 5">
+            <a:extLst>
+              <a:ext uri="{FF2B5EF4-FFF2-40B4-BE49-F238E27FC236}">
+                <a16:creationId xmlns:a16="http://schemas.microsoft.com/office/drawing/2014/main" id="{D8915DC9-D253-DC48-ADEE-A24C501319AA}"/>
+              </a:ext>
+            </a:extLst>
+          </p:cNvPr>
+          <p:cNvSpPr>
+            <a:spLocks noGrp="1"/>
+          </p:cNvSpPr>
+          <p:nvPr>
+            <p:ph type="title"/>
+          </p:nvPr>
+        </p:nvSpPr>
+        <p:spPr/>
+        <p:txBody>
+          <a:bodyPr>
+            <a:normAutofit/>
+          </a:bodyPr>
+          <a:lstStyle/>
+          <a:p>
+            <a:r>
+              <a:rPr lang="en-CA" dirty="0"/>
+              <a:t>What is scalability?</a:t>
+            </a:r>
+          </a:p>
+        </p:txBody>
+      </p:sp>
+      <p:sp>
+        <p:nvSpPr>
+          <p:cNvPr id="5" name="Espace réservé du numéro de diapositive 2">
+            <a:extLst>
+              <a:ext uri="{FF2B5EF4-FFF2-40B4-BE49-F238E27FC236}">
+                <a16:creationId xmlns:a16="http://schemas.microsoft.com/office/drawing/2014/main" id="{2DC9FD3B-E279-C240-9B66-4C6A7A3EC923}"/>
+              </a:ext>
+            </a:extLst>
+          </p:cNvPr>
+          <p:cNvSpPr>
+            <a:spLocks noGrp="1"/>
+          </p:cNvSpPr>
+          <p:nvPr>
+            <p:ph type="sldNum" sz="quarter" idx="4"/>
+          </p:nvPr>
+        </p:nvSpPr>
+        <p:spPr>
+          <a:xfrm>
+            <a:off x="11163034" y="6264308"/>
+            <a:ext cx="261660" cy="169200"/>
+          </a:xfrm>
+        </p:spPr>
+        <p:txBody>
+          <a:bodyPr/>
+          <a:lstStyle/>
+          <a:p>
+            <a:fld id="{525A3C56-E491-49B2-93F3-63532DF516BC}" type="slidenum">
+              <a:rPr lang="en-CA" smtClean="0"/>
+              <a:t>16</a:t>
+            </a:fld>
+            <a:endParaRPr lang="en-CA"/>
+          </a:p>
+        </p:txBody>
+      </p:sp>
+    </p:spTree>
+    <p:extLst>
+      <p:ext uri="{BB962C8B-B14F-4D97-AF65-F5344CB8AC3E}">
+        <p14:creationId xmlns:p14="http://schemas.microsoft.com/office/powerpoint/2010/main" val="131850773"/>
+      </p:ext>
+    </p:extLst>
+  </p:cSld>
+  <p:clrMapOvr>
+    <a:masterClrMapping/>
+  </p:clrMapOvr>
+  <p:transition/>
+</p:sld>
+</file>
+
+<file path=ppt/slides/slide17.xml><?xml version="1.0" encoding="utf-8"?>
+<p:sld xmlns:a="http://schemas.openxmlformats.org/drawingml/2006/main" xmlns:r="http://schemas.openxmlformats.org/officeDocument/2006/relationships" xmlns:p="http://schemas.openxmlformats.org/presentationml/2006/main">
+  <p:cSld>
+    <p:spTree>
+      <p:nvGrpSpPr>
+        <p:cNvPr id="1" name=""/>
+        <p:cNvGrpSpPr/>
+        <p:nvPr/>
+      </p:nvGrpSpPr>
+      <p:grpSpPr>
+        <a:xfrm>
+          <a:off x="0" y="0"/>
+          <a:ext cx="0" cy="0"/>
+          <a:chOff x="0" y="0"/>
+          <a:chExt cx="0" cy="0"/>
+        </a:xfrm>
+      </p:grpSpPr>
+      <p:sp>
+        <p:nvSpPr>
+          <p:cNvPr id="2" name="Title 1">
+            <a:extLst>
+              <a:ext uri="{FF2B5EF4-FFF2-40B4-BE49-F238E27FC236}">
+                <a16:creationId xmlns:a16="http://schemas.microsoft.com/office/drawing/2014/main" id="{A098741F-C9DE-48BC-829B-6F985817EC3B}"/>
+              </a:ext>
+            </a:extLst>
+          </p:cNvPr>
+          <p:cNvSpPr>
+            <a:spLocks noGrp="1"/>
+          </p:cNvSpPr>
+          <p:nvPr>
+            <p:ph type="title"/>
+          </p:nvPr>
+        </p:nvSpPr>
+        <p:spPr/>
+        <p:txBody>
+          <a:bodyPr/>
+          <a:lstStyle/>
+          <a:p>
+            <a:r>
+              <a:rPr lang="nl-NL" dirty="0" err="1"/>
+              <a:t>What</a:t>
+            </a:r>
+            <a:r>
+              <a:rPr lang="nl-NL" dirty="0"/>
+              <a:t> is </a:t>
+            </a:r>
+            <a:r>
+              <a:rPr lang="nl-NL" dirty="0" err="1"/>
+              <a:t>Scalability</a:t>
+            </a:r>
+            <a:r>
+              <a:rPr lang="nl-NL" dirty="0"/>
+              <a:t>?</a:t>
+            </a:r>
+          </a:p>
+        </p:txBody>
+      </p:sp>
+      <p:sp>
+        <p:nvSpPr>
+          <p:cNvPr id="3" name="Content Placeholder 2">
+            <a:extLst>
+              <a:ext uri="{FF2B5EF4-FFF2-40B4-BE49-F238E27FC236}">
+                <a16:creationId xmlns:a16="http://schemas.microsoft.com/office/drawing/2014/main" id="{924D5ECF-0D33-4D03-9646-FE69E47A20AF}"/>
+              </a:ext>
+            </a:extLst>
+          </p:cNvPr>
+          <p:cNvSpPr>
+            <a:spLocks noGrp="1"/>
+          </p:cNvSpPr>
+          <p:nvPr>
+            <p:ph sz="quarter" idx="17"/>
+          </p:nvPr>
+        </p:nvSpPr>
+        <p:spPr>
+          <a:xfrm>
+            <a:off x="766763" y="1638513"/>
+            <a:ext cx="10658475" cy="4535487"/>
+          </a:xfrm>
+        </p:spPr>
+        <p:txBody>
+          <a:bodyPr/>
+          <a:lstStyle/>
+          <a:p>
+            <a:endParaRPr lang="en-US" dirty="0"/>
+          </a:p>
+          <a:p>
+            <a:endParaRPr lang="nl-NL" dirty="0"/>
+          </a:p>
+          <a:p>
+            <a:endParaRPr lang="nl-NL" dirty="0"/>
+          </a:p>
+          <a:p>
+            <a:endParaRPr lang="nl-NL" dirty="0"/>
+          </a:p>
+          <a:p>
+            <a:endParaRPr lang="nl-NL" dirty="0"/>
+          </a:p>
+          <a:p>
+            <a:endParaRPr lang="nl-NL" dirty="0"/>
+          </a:p>
+          <a:p>
+            <a:endParaRPr lang="nl-NL" dirty="0"/>
+          </a:p>
+          <a:p>
+            <a:endParaRPr lang="nl-NL" dirty="0"/>
+          </a:p>
+          <a:p>
+            <a:endParaRPr lang="nl-NL" dirty="0"/>
+          </a:p>
+        </p:txBody>
+      </p:sp>
+      <p:sp>
+        <p:nvSpPr>
+          <p:cNvPr id="4" name="Slide Number Placeholder 3">
+            <a:extLst>
+              <a:ext uri="{FF2B5EF4-FFF2-40B4-BE49-F238E27FC236}">
+                <a16:creationId xmlns:a16="http://schemas.microsoft.com/office/drawing/2014/main" id="{942EDA24-9A2D-4314-B8D8-DB06F6DA18D8}"/>
+              </a:ext>
+            </a:extLst>
+          </p:cNvPr>
+          <p:cNvSpPr>
+            <a:spLocks noGrp="1"/>
+          </p:cNvSpPr>
+          <p:nvPr>
+            <p:ph type="sldNum" sz="quarter" idx="4"/>
+          </p:nvPr>
+        </p:nvSpPr>
+        <p:spPr/>
+        <p:txBody>
+          <a:bodyPr/>
+          <a:lstStyle/>
+          <a:p>
+            <a:fld id="{525A3C56-E491-49B2-93F3-63532DF516BC}" type="slidenum">
+              <a:rPr lang="en-CA" smtClean="0"/>
+              <a:t>17</a:t>
+            </a:fld>
+            <a:endParaRPr lang="en-CA"/>
+          </a:p>
+        </p:txBody>
+      </p:sp>
+      <p:pic>
+        <p:nvPicPr>
+          <p:cNvPr id="8" name="Picture 7">
+            <a:extLst>
+              <a:ext uri="{FF2B5EF4-FFF2-40B4-BE49-F238E27FC236}">
+                <a16:creationId xmlns:a16="http://schemas.microsoft.com/office/drawing/2014/main" id="{29116C0D-3F43-4C10-AB49-0D71F54BA4AA}"/>
+              </a:ext>
+            </a:extLst>
+          </p:cNvPr>
+          <p:cNvPicPr>
+            <a:picLocks noChangeAspect="1"/>
+          </p:cNvPicPr>
+          <p:nvPr/>
+        </p:nvPicPr>
+        <p:blipFill>
+          <a:blip r:embed="rId3">
+            <a:extLst>
+              <a:ext uri="{28A0092B-C50C-407E-A947-70E740481C1C}">
+                <a14:useLocalDpi xmlns:a14="http://schemas.microsoft.com/office/drawing/2010/main" val="0"/>
+              </a:ext>
+            </a:extLst>
+          </a:blip>
+          <a:stretch>
+            <a:fillRect/>
+          </a:stretch>
+        </p:blipFill>
+        <p:spPr>
+          <a:xfrm>
+            <a:off x="3119437" y="1548205"/>
+            <a:ext cx="5953125" cy="2676525"/>
+          </a:xfrm>
+          <a:prstGeom prst="rect">
+            <a:avLst/>
+          </a:prstGeom>
+        </p:spPr>
+      </p:pic>
+    </p:spTree>
+    <p:extLst>
+      <p:ext uri="{BB962C8B-B14F-4D97-AF65-F5344CB8AC3E}">
+        <p14:creationId xmlns:p14="http://schemas.microsoft.com/office/powerpoint/2010/main" val="2846074028"/>
+      </p:ext>
+    </p:extLst>
+  </p:cSld>
+  <p:clrMapOvr>
+    <a:masterClrMapping/>
+  </p:clrMapOvr>
+  <p:transition/>
+</p:sld>
+</file>
+
+<file path=ppt/slides/slide18.xml><?xml version="1.0" encoding="utf-8"?>
+<p:sld xmlns:a="http://schemas.openxmlformats.org/drawingml/2006/main" xmlns:r="http://schemas.openxmlformats.org/officeDocument/2006/relationships" xmlns:p="http://schemas.openxmlformats.org/presentationml/2006/main">
+  <p:cSld>
+    <p:spTree>
+      <p:nvGrpSpPr>
+        <p:cNvPr id="1" name=""/>
+        <p:cNvGrpSpPr/>
+        <p:nvPr/>
+      </p:nvGrpSpPr>
+      <p:grpSpPr>
+        <a:xfrm>
+          <a:off x="0" y="0"/>
+          <a:ext cx="0" cy="0"/>
+          <a:chOff x="0" y="0"/>
+          <a:chExt cx="0" cy="0"/>
+        </a:xfrm>
+      </p:grpSpPr>
+      <p:sp>
+        <p:nvSpPr>
+          <p:cNvPr id="6" name="Titre 5">
+            <a:extLst>
+              <a:ext uri="{FF2B5EF4-FFF2-40B4-BE49-F238E27FC236}">
+                <a16:creationId xmlns:a16="http://schemas.microsoft.com/office/drawing/2014/main" id="{D8915DC9-D253-DC48-ADEE-A24C501319AA}"/>
+              </a:ext>
+            </a:extLst>
+          </p:cNvPr>
+          <p:cNvSpPr>
+            <a:spLocks noGrp="1"/>
+          </p:cNvSpPr>
+          <p:nvPr>
+            <p:ph type="title"/>
+          </p:nvPr>
+        </p:nvSpPr>
+        <p:spPr/>
+        <p:txBody>
+          <a:bodyPr>
+            <a:normAutofit/>
+          </a:bodyPr>
+          <a:lstStyle/>
+          <a:p>
+            <a:r>
+              <a:rPr lang="en-CA" dirty="0"/>
+              <a:t>Exercise 2: Scaling your hello world program.</a:t>
+            </a:r>
+          </a:p>
+        </p:txBody>
+      </p:sp>
+      <p:sp>
+        <p:nvSpPr>
+          <p:cNvPr id="5" name="Espace réservé du numéro de diapositive 2">
+            <a:extLst>
+              <a:ext uri="{FF2B5EF4-FFF2-40B4-BE49-F238E27FC236}">
+                <a16:creationId xmlns:a16="http://schemas.microsoft.com/office/drawing/2014/main" id="{2DC9FD3B-E279-C240-9B66-4C6A7A3EC923}"/>
+              </a:ext>
+            </a:extLst>
+          </p:cNvPr>
+          <p:cNvSpPr>
+            <a:spLocks noGrp="1"/>
+          </p:cNvSpPr>
+          <p:nvPr>
+            <p:ph type="sldNum" sz="quarter" idx="4"/>
+          </p:nvPr>
+        </p:nvSpPr>
+        <p:spPr>
+          <a:xfrm>
+            <a:off x="11163034" y="6264308"/>
+            <a:ext cx="261660" cy="169200"/>
+          </a:xfrm>
+        </p:spPr>
+        <p:txBody>
+          <a:bodyPr/>
+          <a:lstStyle/>
+          <a:p>
+            <a:fld id="{525A3C56-E491-49B2-93F3-63532DF516BC}" type="slidenum">
+              <a:rPr lang="en-CA" smtClean="0"/>
+              <a:t>18</a:t>
+            </a:fld>
+            <a:endParaRPr lang="en-CA"/>
+          </a:p>
+        </p:txBody>
+      </p:sp>
+    </p:spTree>
+    <p:extLst>
+      <p:ext uri="{BB962C8B-B14F-4D97-AF65-F5344CB8AC3E}">
+        <p14:creationId xmlns:p14="http://schemas.microsoft.com/office/powerpoint/2010/main" val="1139663220"/>
+      </p:ext>
+    </p:extLst>
+  </p:cSld>
+  <p:clrMapOvr>
+    <a:masterClrMapping/>
+  </p:clrMapOvr>
+  <p:transition/>
+</p:sld>
+</file>
+
+<file path=ppt/slides/slide19.xml><?xml version="1.0" encoding="utf-8"?>
+<p:sld xmlns:a="http://schemas.openxmlformats.org/drawingml/2006/main" xmlns:r="http://schemas.openxmlformats.org/officeDocument/2006/relationships" xmlns:p="http://schemas.openxmlformats.org/presentationml/2006/main">
+  <p:cSld>
+    <p:spTree>
+      <p:nvGrpSpPr>
+        <p:cNvPr id="1" name=""/>
+        <p:cNvGrpSpPr/>
+        <p:nvPr/>
+      </p:nvGrpSpPr>
+      <p:grpSpPr>
+        <a:xfrm>
+          <a:off x="0" y="0"/>
+          <a:ext cx="0" cy="0"/>
+          <a:chOff x="0" y="0"/>
+          <a:chExt cx="0" cy="0"/>
+        </a:xfrm>
+      </p:grpSpPr>
+      <p:sp>
+        <p:nvSpPr>
+          <p:cNvPr id="6" name="Titre 5">
+            <a:extLst>
+              <a:ext uri="{FF2B5EF4-FFF2-40B4-BE49-F238E27FC236}">
+                <a16:creationId xmlns:a16="http://schemas.microsoft.com/office/drawing/2014/main" id="{D8915DC9-D253-DC48-ADEE-A24C501319AA}"/>
+              </a:ext>
+            </a:extLst>
+          </p:cNvPr>
+          <p:cNvSpPr>
+            <a:spLocks noGrp="1"/>
+          </p:cNvSpPr>
+          <p:nvPr>
+            <p:ph type="title"/>
+          </p:nvPr>
+        </p:nvSpPr>
+        <p:spPr>
+          <a:xfrm>
+            <a:off x="748799" y="635964"/>
+            <a:ext cx="6817413" cy="2226506"/>
+          </a:xfrm>
+        </p:spPr>
+        <p:txBody>
+          <a:bodyPr>
+            <a:normAutofit/>
+          </a:bodyPr>
+          <a:lstStyle/>
+          <a:p>
+            <a:r>
+              <a:rPr lang="en-CA" dirty="0"/>
+              <a:t>What is a </a:t>
+            </a:r>
+            <a:r>
+              <a:rPr lang="en-CA" dirty="0" err="1"/>
+              <a:t>loadbalancer</a:t>
+            </a:r>
+            <a:r>
+              <a:rPr lang="en-CA" dirty="0"/>
+              <a:t>?</a:t>
+            </a:r>
+          </a:p>
+        </p:txBody>
+      </p:sp>
+      <p:sp>
+        <p:nvSpPr>
+          <p:cNvPr id="5" name="Espace réservé du numéro de diapositive 2">
+            <a:extLst>
+              <a:ext uri="{FF2B5EF4-FFF2-40B4-BE49-F238E27FC236}">
+                <a16:creationId xmlns:a16="http://schemas.microsoft.com/office/drawing/2014/main" id="{2DC9FD3B-E279-C240-9B66-4C6A7A3EC923}"/>
+              </a:ext>
+            </a:extLst>
+          </p:cNvPr>
+          <p:cNvSpPr>
+            <a:spLocks noGrp="1"/>
+          </p:cNvSpPr>
+          <p:nvPr>
+            <p:ph type="sldNum" sz="quarter" idx="4"/>
+          </p:nvPr>
+        </p:nvSpPr>
+        <p:spPr>
+          <a:xfrm>
+            <a:off x="11163034" y="6264308"/>
+            <a:ext cx="261660" cy="169200"/>
+          </a:xfrm>
+        </p:spPr>
+        <p:txBody>
+          <a:bodyPr/>
+          <a:lstStyle/>
+          <a:p>
+            <a:fld id="{525A3C56-E491-49B2-93F3-63532DF516BC}" type="slidenum">
+              <a:rPr lang="en-CA" smtClean="0"/>
+              <a:t>19</a:t>
+            </a:fld>
+            <a:endParaRPr lang="en-CA"/>
+          </a:p>
+        </p:txBody>
+      </p:sp>
+    </p:spTree>
+    <p:extLst>
+      <p:ext uri="{BB962C8B-B14F-4D97-AF65-F5344CB8AC3E}">
+        <p14:creationId xmlns:p14="http://schemas.microsoft.com/office/powerpoint/2010/main" val="2232124583"/>
+      </p:ext>
+    </p:extLst>
+  </p:cSld>
+  <p:clrMapOvr>
+    <a:masterClrMapping/>
+  </p:clrMapOvr>
+  <p:transition/>
+</p:sld>
+</file>
+
 <file path=ppt/slides/slide2.xml><?xml version="1.0" encoding="utf-8"?>
 <p:sld xmlns:a="http://schemas.openxmlformats.org/drawingml/2006/main" xmlns:r="http://schemas.openxmlformats.org/officeDocument/2006/relationships" xmlns:p="http://schemas.openxmlformats.org/presentationml/2006/main">
   <p:cSld>
@@ -28743,6 +30584,399 @@
     <p:extLst>
       <p:ext uri="{BB962C8B-B14F-4D97-AF65-F5344CB8AC3E}">
         <p14:creationId xmlns:p14="http://schemas.microsoft.com/office/powerpoint/2010/main" val="466845505"/>
+      </p:ext>
+    </p:extLst>
+  </p:cSld>
+  <p:clrMapOvr>
+    <a:masterClrMapping/>
+  </p:clrMapOvr>
+  <p:transition/>
+</p:sld>
+</file>
+
+<file path=ppt/slides/slide20.xml><?xml version="1.0" encoding="utf-8"?>
+<p:sld xmlns:a="http://schemas.openxmlformats.org/drawingml/2006/main" xmlns:r="http://schemas.openxmlformats.org/officeDocument/2006/relationships" xmlns:p="http://schemas.openxmlformats.org/presentationml/2006/main">
+  <p:cSld>
+    <p:spTree>
+      <p:nvGrpSpPr>
+        <p:cNvPr id="1" name=""/>
+        <p:cNvGrpSpPr/>
+        <p:nvPr/>
+      </p:nvGrpSpPr>
+      <p:grpSpPr>
+        <a:xfrm>
+          <a:off x="0" y="0"/>
+          <a:ext cx="0" cy="0"/>
+          <a:chOff x="0" y="0"/>
+          <a:chExt cx="0" cy="0"/>
+        </a:xfrm>
+      </p:grpSpPr>
+      <p:sp>
+        <p:nvSpPr>
+          <p:cNvPr id="2" name="Title 1">
+            <a:extLst>
+              <a:ext uri="{FF2B5EF4-FFF2-40B4-BE49-F238E27FC236}">
+                <a16:creationId xmlns:a16="http://schemas.microsoft.com/office/drawing/2014/main" id="{A098741F-C9DE-48BC-829B-6F985817EC3B}"/>
+              </a:ext>
+            </a:extLst>
+          </p:cNvPr>
+          <p:cNvSpPr>
+            <a:spLocks noGrp="1"/>
+          </p:cNvSpPr>
+          <p:nvPr>
+            <p:ph type="title"/>
+          </p:nvPr>
+        </p:nvSpPr>
+        <p:spPr/>
+        <p:txBody>
+          <a:bodyPr/>
+          <a:lstStyle/>
+          <a:p>
+            <a:r>
+              <a:rPr lang="nl-NL" dirty="0" err="1"/>
+              <a:t>What</a:t>
+            </a:r>
+            <a:r>
+              <a:rPr lang="nl-NL" dirty="0"/>
+              <a:t> is a </a:t>
+            </a:r>
+            <a:r>
+              <a:rPr lang="nl-NL" dirty="0" err="1"/>
+              <a:t>loadbalancer</a:t>
+            </a:r>
+            <a:r>
+              <a:rPr lang="nl-NL" dirty="0"/>
+              <a:t>?</a:t>
+            </a:r>
+          </a:p>
+        </p:txBody>
+      </p:sp>
+      <p:sp>
+        <p:nvSpPr>
+          <p:cNvPr id="3" name="Content Placeholder 2">
+            <a:extLst>
+              <a:ext uri="{FF2B5EF4-FFF2-40B4-BE49-F238E27FC236}">
+                <a16:creationId xmlns:a16="http://schemas.microsoft.com/office/drawing/2014/main" id="{924D5ECF-0D33-4D03-9646-FE69E47A20AF}"/>
+              </a:ext>
+            </a:extLst>
+          </p:cNvPr>
+          <p:cNvSpPr>
+            <a:spLocks noGrp="1"/>
+          </p:cNvSpPr>
+          <p:nvPr>
+            <p:ph sz="quarter" idx="17"/>
+          </p:nvPr>
+        </p:nvSpPr>
+        <p:spPr>
+          <a:xfrm>
+            <a:off x="766763" y="1638513"/>
+            <a:ext cx="10658475" cy="4535487"/>
+          </a:xfrm>
+        </p:spPr>
+        <p:txBody>
+          <a:bodyPr/>
+          <a:lstStyle/>
+          <a:p>
+            <a:endParaRPr lang="en-US" dirty="0"/>
+          </a:p>
+          <a:p>
+            <a:endParaRPr lang="nl-NL" dirty="0"/>
+          </a:p>
+          <a:p>
+            <a:endParaRPr lang="nl-NL" dirty="0"/>
+          </a:p>
+          <a:p>
+            <a:endParaRPr lang="nl-NL" dirty="0"/>
+          </a:p>
+          <a:p>
+            <a:endParaRPr lang="nl-NL" dirty="0"/>
+          </a:p>
+          <a:p>
+            <a:endParaRPr lang="nl-NL" dirty="0"/>
+          </a:p>
+          <a:p>
+            <a:endParaRPr lang="nl-NL" dirty="0"/>
+          </a:p>
+          <a:p>
+            <a:endParaRPr lang="nl-NL" dirty="0"/>
+          </a:p>
+          <a:p>
+            <a:endParaRPr lang="nl-NL" dirty="0"/>
+          </a:p>
+        </p:txBody>
+      </p:sp>
+      <p:sp>
+        <p:nvSpPr>
+          <p:cNvPr id="4" name="Slide Number Placeholder 3">
+            <a:extLst>
+              <a:ext uri="{FF2B5EF4-FFF2-40B4-BE49-F238E27FC236}">
+                <a16:creationId xmlns:a16="http://schemas.microsoft.com/office/drawing/2014/main" id="{942EDA24-9A2D-4314-B8D8-DB06F6DA18D8}"/>
+              </a:ext>
+            </a:extLst>
+          </p:cNvPr>
+          <p:cNvSpPr>
+            <a:spLocks noGrp="1"/>
+          </p:cNvSpPr>
+          <p:nvPr>
+            <p:ph type="sldNum" sz="quarter" idx="4"/>
+          </p:nvPr>
+        </p:nvSpPr>
+        <p:spPr/>
+        <p:txBody>
+          <a:bodyPr/>
+          <a:lstStyle/>
+          <a:p>
+            <a:fld id="{525A3C56-E491-49B2-93F3-63532DF516BC}" type="slidenum">
+              <a:rPr lang="en-CA" smtClean="0"/>
+              <a:t>20</a:t>
+            </a:fld>
+            <a:endParaRPr lang="en-CA"/>
+          </a:p>
+        </p:txBody>
+      </p:sp>
+      <p:pic>
+        <p:nvPicPr>
+          <p:cNvPr id="6" name="Picture 5">
+            <a:extLst>
+              <a:ext uri="{FF2B5EF4-FFF2-40B4-BE49-F238E27FC236}">
+                <a16:creationId xmlns:a16="http://schemas.microsoft.com/office/drawing/2014/main" id="{7F93C566-988B-42FA-BD21-F756E57548AE}"/>
+              </a:ext>
+            </a:extLst>
+          </p:cNvPr>
+          <p:cNvPicPr>
+            <a:picLocks noChangeAspect="1"/>
+          </p:cNvPicPr>
+          <p:nvPr/>
+        </p:nvPicPr>
+        <p:blipFill>
+          <a:blip r:embed="rId3">
+            <a:extLst>
+              <a:ext uri="{28A0092B-C50C-407E-A947-70E740481C1C}">
+                <a14:useLocalDpi xmlns:a14="http://schemas.microsoft.com/office/drawing/2010/main" val="0"/>
+              </a:ext>
+            </a:extLst>
+          </a:blip>
+          <a:stretch>
+            <a:fillRect/>
+          </a:stretch>
+        </p:blipFill>
+        <p:spPr>
+          <a:xfrm>
+            <a:off x="766762" y="1260262"/>
+            <a:ext cx="5713038" cy="4128084"/>
+          </a:xfrm>
+          <a:prstGeom prst="rect">
+            <a:avLst/>
+          </a:prstGeom>
+        </p:spPr>
+      </p:pic>
+    </p:spTree>
+    <p:extLst>
+      <p:ext uri="{BB962C8B-B14F-4D97-AF65-F5344CB8AC3E}">
+        <p14:creationId xmlns:p14="http://schemas.microsoft.com/office/powerpoint/2010/main" val="2857194881"/>
+      </p:ext>
+    </p:extLst>
+  </p:cSld>
+  <p:clrMapOvr>
+    <a:masterClrMapping/>
+  </p:clrMapOvr>
+  <p:transition/>
+</p:sld>
+</file>
+
+<file path=ppt/slides/slide21.xml><?xml version="1.0" encoding="utf-8"?>
+<p:sld xmlns:a="http://schemas.openxmlformats.org/drawingml/2006/main" xmlns:r="http://schemas.openxmlformats.org/officeDocument/2006/relationships" xmlns:p="http://schemas.openxmlformats.org/presentationml/2006/main">
+  <p:cSld>
+    <p:spTree>
+      <p:nvGrpSpPr>
+        <p:cNvPr id="1" name=""/>
+        <p:cNvGrpSpPr/>
+        <p:nvPr/>
+      </p:nvGrpSpPr>
+      <p:grpSpPr>
+        <a:xfrm>
+          <a:off x="0" y="0"/>
+          <a:ext cx="0" cy="0"/>
+          <a:chOff x="0" y="0"/>
+          <a:chExt cx="0" cy="0"/>
+        </a:xfrm>
+      </p:grpSpPr>
+      <p:sp>
+        <p:nvSpPr>
+          <p:cNvPr id="6" name="Titre 5">
+            <a:extLst>
+              <a:ext uri="{FF2B5EF4-FFF2-40B4-BE49-F238E27FC236}">
+                <a16:creationId xmlns:a16="http://schemas.microsoft.com/office/drawing/2014/main" id="{D8915DC9-D253-DC48-ADEE-A24C501319AA}"/>
+              </a:ext>
+            </a:extLst>
+          </p:cNvPr>
+          <p:cNvSpPr>
+            <a:spLocks noGrp="1"/>
+          </p:cNvSpPr>
+          <p:nvPr>
+            <p:ph type="title"/>
+          </p:nvPr>
+        </p:nvSpPr>
+        <p:spPr/>
+        <p:txBody>
+          <a:bodyPr>
+            <a:normAutofit/>
+          </a:bodyPr>
+          <a:lstStyle/>
+          <a:p>
+            <a:r>
+              <a:rPr lang="en-CA" dirty="0"/>
+              <a:t>Exercise 3: </a:t>
+            </a:r>
+            <a:r>
+              <a:rPr lang="en-CA" dirty="0" err="1"/>
+              <a:t>Loadbalancers</a:t>
+            </a:r>
+            <a:r>
+              <a:rPr lang="en-CA" dirty="0"/>
+              <a:t>.</a:t>
+            </a:r>
+          </a:p>
+        </p:txBody>
+      </p:sp>
+      <p:sp>
+        <p:nvSpPr>
+          <p:cNvPr id="5" name="Espace réservé du numéro de diapositive 2">
+            <a:extLst>
+              <a:ext uri="{FF2B5EF4-FFF2-40B4-BE49-F238E27FC236}">
+                <a16:creationId xmlns:a16="http://schemas.microsoft.com/office/drawing/2014/main" id="{2DC9FD3B-E279-C240-9B66-4C6A7A3EC923}"/>
+              </a:ext>
+            </a:extLst>
+          </p:cNvPr>
+          <p:cNvSpPr>
+            <a:spLocks noGrp="1"/>
+          </p:cNvSpPr>
+          <p:nvPr>
+            <p:ph type="sldNum" sz="quarter" idx="4"/>
+          </p:nvPr>
+        </p:nvSpPr>
+        <p:spPr>
+          <a:xfrm>
+            <a:off x="11163034" y="6264308"/>
+            <a:ext cx="261660" cy="169200"/>
+          </a:xfrm>
+        </p:spPr>
+        <p:txBody>
+          <a:bodyPr/>
+          <a:lstStyle/>
+          <a:p>
+            <a:fld id="{525A3C56-E491-49B2-93F3-63532DF516BC}" type="slidenum">
+              <a:rPr lang="en-CA" smtClean="0"/>
+              <a:t>21</a:t>
+            </a:fld>
+            <a:endParaRPr lang="en-CA"/>
+          </a:p>
+        </p:txBody>
+      </p:sp>
+    </p:spTree>
+    <p:extLst>
+      <p:ext uri="{BB962C8B-B14F-4D97-AF65-F5344CB8AC3E}">
+        <p14:creationId xmlns:p14="http://schemas.microsoft.com/office/powerpoint/2010/main" val="646925313"/>
+      </p:ext>
+    </p:extLst>
+  </p:cSld>
+  <p:clrMapOvr>
+    <a:masterClrMapping/>
+  </p:clrMapOvr>
+  <p:transition/>
+</p:sld>
+</file>
+
+<file path=ppt/slides/slide22.xml><?xml version="1.0" encoding="utf-8"?>
+<p:sld xmlns:a="http://schemas.openxmlformats.org/drawingml/2006/main" xmlns:r="http://schemas.openxmlformats.org/officeDocument/2006/relationships" xmlns:p="http://schemas.openxmlformats.org/presentationml/2006/main">
+  <p:cSld>
+    <p:spTree>
+      <p:nvGrpSpPr>
+        <p:cNvPr id="1" name=""/>
+        <p:cNvGrpSpPr/>
+        <p:nvPr/>
+      </p:nvGrpSpPr>
+      <p:grpSpPr>
+        <a:xfrm>
+          <a:off x="0" y="0"/>
+          <a:ext cx="0" cy="0"/>
+          <a:chOff x="0" y="0"/>
+          <a:chExt cx="0" cy="0"/>
+        </a:xfrm>
+      </p:grpSpPr>
+      <p:sp>
+        <p:nvSpPr>
+          <p:cNvPr id="6" name="Titre 5">
+            <a:extLst>
+              <a:ext uri="{FF2B5EF4-FFF2-40B4-BE49-F238E27FC236}">
+                <a16:creationId xmlns:a16="http://schemas.microsoft.com/office/drawing/2014/main" id="{D8915DC9-D253-DC48-ADEE-A24C501319AA}"/>
+              </a:ext>
+            </a:extLst>
+          </p:cNvPr>
+          <p:cNvSpPr>
+            <a:spLocks noGrp="1"/>
+          </p:cNvSpPr>
+          <p:nvPr>
+            <p:ph type="title"/>
+          </p:nvPr>
+        </p:nvSpPr>
+        <p:spPr>
+          <a:xfrm>
+            <a:off x="748799" y="635964"/>
+            <a:ext cx="6817413" cy="2226506"/>
+          </a:xfrm>
+        </p:spPr>
+        <p:txBody>
+          <a:bodyPr>
+            <a:normAutofit/>
+          </a:bodyPr>
+          <a:lstStyle/>
+          <a:p>
+            <a:r>
+              <a:rPr lang="en-CA" dirty="0"/>
+              <a:t>Demo: Database &amp; application container.</a:t>
+            </a:r>
+          </a:p>
+        </p:txBody>
+      </p:sp>
+      <p:sp>
+        <p:nvSpPr>
+          <p:cNvPr id="5" name="Espace réservé du numéro de diapositive 2">
+            <a:extLst>
+              <a:ext uri="{FF2B5EF4-FFF2-40B4-BE49-F238E27FC236}">
+                <a16:creationId xmlns:a16="http://schemas.microsoft.com/office/drawing/2014/main" id="{2DC9FD3B-E279-C240-9B66-4C6A7A3EC923}"/>
+              </a:ext>
+            </a:extLst>
+          </p:cNvPr>
+          <p:cNvSpPr>
+            <a:spLocks noGrp="1"/>
+          </p:cNvSpPr>
+          <p:nvPr>
+            <p:ph type="sldNum" sz="quarter" idx="4"/>
+          </p:nvPr>
+        </p:nvSpPr>
+        <p:spPr>
+          <a:xfrm>
+            <a:off x="11163034" y="6264308"/>
+            <a:ext cx="261660" cy="169200"/>
+          </a:xfrm>
+        </p:spPr>
+        <p:txBody>
+          <a:bodyPr/>
+          <a:lstStyle/>
+          <a:p>
+            <a:fld id="{525A3C56-E491-49B2-93F3-63532DF516BC}" type="slidenum">
+              <a:rPr lang="en-CA" smtClean="0"/>
+              <a:t>22</a:t>
+            </a:fld>
+            <a:endParaRPr lang="en-CA"/>
+          </a:p>
+        </p:txBody>
+      </p:sp>
+    </p:spTree>
+    <p:extLst>
+      <p:ext uri="{BB962C8B-B14F-4D97-AF65-F5344CB8AC3E}">
+        <p14:creationId xmlns:p14="http://schemas.microsoft.com/office/powerpoint/2010/main" val="1489301047"/>
       </p:ext>
     </p:extLst>
   </p:cSld>
@@ -31388,6 +33622,12 @@
 </file>
 
 <file path=customXml/item2.xml><?xml version="1.0" encoding="utf-8"?>
+<p:properties xmlns:p="http://schemas.microsoft.com/office/2006/metadata/properties" xmlns:xsi="http://www.w3.org/2001/XMLSchema-instance">
+  <documentManagement/>
+</p:properties>
+</file>
+
+<file path=customXml/item3.xml><?xml version="1.0" encoding="utf-8"?>
 <ct:contentTypeSchema xmlns:ct="http://schemas.microsoft.com/office/2006/metadata/contentType" xmlns:ma="http://schemas.microsoft.com/office/2006/metadata/properties/metaAttributes" ct:_="" ma:_="" ma:contentTypeName="Document" ma:contentTypeID="0x010100D06D1DEF71246949A8BE690928B9FA92" ma:contentTypeVersion="12" ma:contentTypeDescription="Create a new document." ma:contentTypeScope="" ma:versionID="c7872194bb344b0e56a5c22949bcefbf">
   <xsd:schema xmlns:xsd="http://www.w3.org/2001/XMLSchema" xmlns:xs="http://www.w3.org/2001/XMLSchema" xmlns:p="http://schemas.microsoft.com/office/2006/metadata/properties" xmlns:ns2="e768024a-b060-4ad5-913a-bcfaadceb1f5" xmlns:ns3="cfa8ccd9-a380-472f-9e14-f384934d746f" targetNamespace="http://schemas.microsoft.com/office/2006/metadata/properties" ma:root="true" ma:fieldsID="9de53672cbd6c87e4c75c35c771fcd17" ns2:_="" ns3:_="">
     <xsd:import namespace="e768024a-b060-4ad5-913a-bcfaadceb1f5"/>
@@ -31604,12 +33844,6 @@
 </ct:contentTypeSchema>
 </file>
 
-<file path=customXml/item3.xml><?xml version="1.0" encoding="utf-8"?>
-<p:properties xmlns:p="http://schemas.microsoft.com/office/2006/metadata/properties" xmlns:xsi="http://www.w3.org/2001/XMLSchema-instance">
-  <documentManagement/>
-</p:properties>
-</file>
-
 <file path=customXml/itemProps1.xml><?xml version="1.0" encoding="utf-8"?>
 <ds:datastoreItem xmlns:ds="http://schemas.openxmlformats.org/officeDocument/2006/customXml" ds:itemID="{ADA5D674-9920-4D2F-B065-BC24FD29F86D}">
   <ds:schemaRefs>
@@ -31619,12 +33853,6 @@
 </file>
 
 <file path=customXml/itemProps2.xml><?xml version="1.0" encoding="utf-8"?>
-<ds:datastoreItem xmlns:ds="http://schemas.openxmlformats.org/officeDocument/2006/customXml" ds:itemID="{91C7B255-3552-497C-B3C7-0572EE08EA37}">
-  <ds:schemaRefs/>
-</ds:datastoreItem>
-</file>
-
-<file path=customXml/itemProps3.xml><?xml version="1.0" encoding="utf-8"?>
 <ds:datastoreItem xmlns:ds="http://schemas.openxmlformats.org/officeDocument/2006/customXml" ds:itemID="{2F4C4F6A-F6A5-45C8-BAAA-52FB70E387C7}">
   <ds:schemaRefs>
     <ds:schemaRef ds:uri="http://schemas.microsoft.com/office/2006/metadata/properties"/>
@@ -31639,4 +33867,10 @@
     <ds:schemaRef ds:uri="http://purl.org/dc/dcmitype/"/>
   </ds:schemaRefs>
 </ds:datastoreItem>
+</file>
+
+<file path=customXml/itemProps3.xml><?xml version="1.0" encoding="utf-8"?>
+<ds:datastoreItem xmlns:ds="http://schemas.openxmlformats.org/officeDocument/2006/customXml" ds:itemID="{91C7B255-3552-497C-B3C7-0572EE08EA37}">
+  <ds:schemaRefs/>
+</ds:datastoreItem>
 </file>
--- a/GC_Docker_2022.pptx
+++ b/GC_Docker_2022.pptx
@@ -399,7 +399,7 @@
           <a:p>
             <a:fld id="{B5D7A87D-1CDA-443F-BAE3-82C9C05446C3}" type="datetimeFigureOut">
               <a:rPr lang="en-CA" smtClean="0"/>
-              <a:t>2022-03-25</a:t>
+              <a:t>2022-03-31</a:t>
             </a:fld>
             <a:endParaRPr lang="en-CA"/>
           </a:p>
@@ -692,12 +692,7 @@
             <p:ph type="sldImg"/>
           </p:nvPr>
         </p:nvSpPr>
-        <p:spPr>
-          <a:xfrm>
-            <a:off x="381000" y="685800"/>
-            <a:ext cx="6096000" cy="3429000"/>
-          </a:xfrm>
-        </p:spPr>
+        <p:spPr/>
       </p:sp>
       <p:sp>
         <p:nvSpPr>
@@ -707,27 +702,6 @@
           </p:cNvSpPr>
           <p:nvPr>
             <p:ph type="body" idx="1"/>
-          </p:nvPr>
-        </p:nvSpPr>
-        <p:spPr/>
-        <p:txBody>
-          <a:bodyPr>
-            <a:normAutofit/>
-          </a:bodyPr>
-          <a:lstStyle/>
-          <a:p>
-            <a:endParaRPr lang="en-CA"/>
-          </a:p>
-        </p:txBody>
-      </p:sp>
-      <p:sp>
-        <p:nvSpPr>
-          <p:cNvPr id="4" name="Slide Number Placeholder 3"/>
-          <p:cNvSpPr>
-            <a:spLocks noGrp="1"/>
-          </p:cNvSpPr>
-          <p:nvPr>
-            <p:ph type="sldNum" sz="quarter" idx="10"/>
           </p:nvPr>
         </p:nvSpPr>
         <p:spPr/>
@@ -735,9 +709,31 @@
           <a:bodyPr/>
           <a:lstStyle/>
           <a:p>
+            <a:r>
+              <a:rPr lang="nl-NL" dirty="0"/>
+              <a:t>Thomas:</a:t>
+            </a:r>
+          </a:p>
+        </p:txBody>
+      </p:sp>
+      <p:sp>
+        <p:nvSpPr>
+          <p:cNvPr id="4" name="Slide Number Placeholder 3"/>
+          <p:cNvSpPr>
+            <a:spLocks noGrp="1"/>
+          </p:cNvSpPr>
+          <p:nvPr>
+            <p:ph type="sldNum" sz="quarter" idx="5"/>
+          </p:nvPr>
+        </p:nvSpPr>
+        <p:spPr/>
+        <p:txBody>
+          <a:bodyPr/>
+          <a:lstStyle/>
+          <a:p>
             <a:fld id="{20B9C825-F38E-45BB-92C1-043DE61C9183}" type="slidenum">
               <a:rPr lang="en-CA" smtClean="0"/>
-              <a:t>3</a:t>
+              <a:t>1</a:t>
             </a:fld>
             <a:endParaRPr lang="en-CA"/>
           </a:p>
@@ -746,7 +742,7 @@
     </p:spTree>
     <p:extLst>
       <p:ext uri="{BB962C8B-B14F-4D97-AF65-F5344CB8AC3E}">
-        <p14:creationId xmlns:p14="http://schemas.microsoft.com/office/powerpoint/2010/main" val="717365470"/>
+        <p14:creationId xmlns:p14="http://schemas.microsoft.com/office/powerpoint/2010/main" val="2527023419"/>
       </p:ext>
     </p:extLst>
   </p:cSld>
@@ -783,12 +779,7 @@
             <p:ph type="sldImg"/>
           </p:nvPr>
         </p:nvSpPr>
-        <p:spPr>
-          <a:xfrm>
-            <a:off x="381000" y="685800"/>
-            <a:ext cx="6096000" cy="3429000"/>
-          </a:xfrm>
-        </p:spPr>
+        <p:spPr/>
       </p:sp>
       <p:sp>
         <p:nvSpPr>
@@ -798,27 +789,6 @@
           </p:cNvSpPr>
           <p:nvPr>
             <p:ph type="body" idx="1"/>
-          </p:nvPr>
-        </p:nvSpPr>
-        <p:spPr/>
-        <p:txBody>
-          <a:bodyPr>
-            <a:normAutofit/>
-          </a:bodyPr>
-          <a:lstStyle/>
-          <a:p>
-            <a:endParaRPr lang="en-CA"/>
-          </a:p>
-        </p:txBody>
-      </p:sp>
-      <p:sp>
-        <p:nvSpPr>
-          <p:cNvPr id="4" name="Slide Number Placeholder 3"/>
-          <p:cNvSpPr>
-            <a:spLocks noGrp="1"/>
-          </p:cNvSpPr>
-          <p:nvPr>
-            <p:ph type="sldNum" sz="quarter" idx="10"/>
           </p:nvPr>
         </p:nvSpPr>
         <p:spPr/>
@@ -826,9 +796,39 @@
           <a:bodyPr/>
           <a:lstStyle/>
           <a:p>
+            <a:r>
+              <a:rPr lang="nl-NL" dirty="0"/>
+              <a:t>Platform om applicaties te runnen, bouwen en te </a:t>
+            </a:r>
+            <a:r>
+              <a:rPr lang="nl-NL" dirty="0" err="1"/>
+              <a:t>shippen</a:t>
+            </a:r>
+            <a:r>
+              <a:rPr lang="nl-NL" dirty="0"/>
+              <a:t>. Dit platform voorziet dus van alle benodigdheden om een applicatie te kunnen runnen. </a:t>
+            </a:r>
+          </a:p>
+        </p:txBody>
+      </p:sp>
+      <p:sp>
+        <p:nvSpPr>
+          <p:cNvPr id="4" name="Slide Number Placeholder 3"/>
+          <p:cNvSpPr>
+            <a:spLocks noGrp="1"/>
+          </p:cNvSpPr>
+          <p:nvPr>
+            <p:ph type="sldNum" sz="quarter" idx="5"/>
+          </p:nvPr>
+        </p:nvSpPr>
+        <p:spPr/>
+        <p:txBody>
+          <a:bodyPr/>
+          <a:lstStyle/>
+          <a:p>
             <a:fld id="{20B9C825-F38E-45BB-92C1-043DE61C9183}" type="slidenum">
               <a:rPr lang="en-CA" smtClean="0"/>
-              <a:t>12</a:t>
+              <a:t>10</a:t>
             </a:fld>
             <a:endParaRPr lang="en-CA"/>
           </a:p>
@@ -837,7 +837,7 @@
     </p:spTree>
     <p:extLst>
       <p:ext uri="{BB962C8B-B14F-4D97-AF65-F5344CB8AC3E}">
-        <p14:creationId xmlns:p14="http://schemas.microsoft.com/office/powerpoint/2010/main" val="2613261740"/>
+        <p14:creationId xmlns:p14="http://schemas.microsoft.com/office/powerpoint/2010/main" val="598361817"/>
       </p:ext>
     </p:extLst>
   </p:cSld>
@@ -874,12 +874,7 @@
             <p:ph type="sldImg"/>
           </p:nvPr>
         </p:nvSpPr>
-        <p:spPr>
-          <a:xfrm>
-            <a:off x="381000" y="685800"/>
-            <a:ext cx="6096000" cy="3429000"/>
-          </a:xfrm>
-        </p:spPr>
+        <p:spPr/>
       </p:sp>
       <p:sp>
         <p:nvSpPr>
@@ -889,27 +884,6 @@
           </p:cNvSpPr>
           <p:nvPr>
             <p:ph type="body" idx="1"/>
-          </p:nvPr>
-        </p:nvSpPr>
-        <p:spPr/>
-        <p:txBody>
-          <a:bodyPr>
-            <a:normAutofit/>
-          </a:bodyPr>
-          <a:lstStyle/>
-          <a:p>
-            <a:endParaRPr lang="en-CA"/>
-          </a:p>
-        </p:txBody>
-      </p:sp>
-      <p:sp>
-        <p:nvSpPr>
-          <p:cNvPr id="4" name="Slide Number Placeholder 3"/>
-          <p:cNvSpPr>
-            <a:spLocks noGrp="1"/>
-          </p:cNvSpPr>
-          <p:nvPr>
-            <p:ph type="sldNum" sz="quarter" idx="10"/>
           </p:nvPr>
         </p:nvSpPr>
         <p:spPr/>
@@ -917,9 +891,39 @@
           <a:bodyPr/>
           <a:lstStyle/>
           <a:p>
+            <a:r>
+              <a:rPr lang="nl-NL" dirty="0"/>
+              <a:t>Platform om applicaties te runnen, bouwen en te </a:t>
+            </a:r>
+            <a:r>
+              <a:rPr lang="nl-NL" dirty="0" err="1"/>
+              <a:t>shippen</a:t>
+            </a:r>
+            <a:r>
+              <a:rPr lang="nl-NL" dirty="0"/>
+              <a:t>. Dit platform voorziet dus van alle benodigdheden om een applicatie te kunnen runnen. </a:t>
+            </a:r>
+          </a:p>
+        </p:txBody>
+      </p:sp>
+      <p:sp>
+        <p:nvSpPr>
+          <p:cNvPr id="4" name="Slide Number Placeholder 3"/>
+          <p:cNvSpPr>
+            <a:spLocks noGrp="1"/>
+          </p:cNvSpPr>
+          <p:nvPr>
+            <p:ph type="sldNum" sz="quarter" idx="5"/>
+          </p:nvPr>
+        </p:nvSpPr>
+        <p:spPr/>
+        <p:txBody>
+          <a:bodyPr/>
+          <a:lstStyle/>
+          <a:p>
             <a:fld id="{20B9C825-F38E-45BB-92C1-043DE61C9183}" type="slidenum">
               <a:rPr lang="en-CA" smtClean="0"/>
-              <a:t>13</a:t>
+              <a:t>11</a:t>
             </a:fld>
             <a:endParaRPr lang="en-CA"/>
           </a:p>
@@ -928,7 +932,7 @@
     </p:spTree>
     <p:extLst>
       <p:ext uri="{BB962C8B-B14F-4D97-AF65-F5344CB8AC3E}">
-        <p14:creationId xmlns:p14="http://schemas.microsoft.com/office/powerpoint/2010/main" val="3186997134"/>
+        <p14:creationId xmlns:p14="http://schemas.microsoft.com/office/powerpoint/2010/main" val="490974925"/>
       </p:ext>
     </p:extLst>
   </p:cSld>
@@ -989,7 +993,14 @@
           </a:bodyPr>
           <a:lstStyle/>
           <a:p>
-            <a:endParaRPr lang="en-CA" dirty="0"/>
+            <a:r>
+              <a:rPr lang="en-CA" dirty="0" err="1"/>
+              <a:t>Deelnemers</a:t>
+            </a:r>
+            <a:r>
+              <a:rPr lang="en-CA" dirty="0"/>
+              <a:t>:</a:t>
+            </a:r>
           </a:p>
         </p:txBody>
       </p:sp>
@@ -1010,7 +1021,7 @@
           <a:p>
             <a:fld id="{20B9C825-F38E-45BB-92C1-043DE61C9183}" type="slidenum">
               <a:rPr lang="en-CA" smtClean="0"/>
-              <a:t>14</a:t>
+              <a:t>12</a:t>
             </a:fld>
             <a:endParaRPr lang="en-CA"/>
           </a:p>
@@ -1019,7 +1030,7 @@
     </p:spTree>
     <p:extLst>
       <p:ext uri="{BB962C8B-B14F-4D97-AF65-F5344CB8AC3E}">
-        <p14:creationId xmlns:p14="http://schemas.microsoft.com/office/powerpoint/2010/main" val="2735406269"/>
+        <p14:creationId xmlns:p14="http://schemas.microsoft.com/office/powerpoint/2010/main" val="2613261740"/>
       </p:ext>
     </p:extLst>
   </p:cSld>
@@ -1056,16 +1067,51 @@
             <p:ph type="sldImg"/>
           </p:nvPr>
         </p:nvSpPr>
+        <p:spPr>
+          <a:xfrm>
+            <a:off x="381000" y="685800"/>
+            <a:ext cx="6096000" cy="3429000"/>
+          </a:xfrm>
+        </p:spPr>
+      </p:sp>
+      <p:sp>
+        <p:nvSpPr>
+          <p:cNvPr id="3" name="Notes Placeholder 2"/>
+          <p:cNvSpPr>
+            <a:spLocks noGrp="1"/>
+          </p:cNvSpPr>
+          <p:nvPr>
+            <p:ph type="body" idx="1"/>
+          </p:nvPr>
+        </p:nvSpPr>
         <p:spPr/>
-      </p:sp>
-      <p:sp>
-        <p:nvSpPr>
-          <p:cNvPr id="3" name="Notes Placeholder 2"/>
-          <p:cNvSpPr>
-            <a:spLocks noGrp="1"/>
-          </p:cNvSpPr>
-          <p:nvPr>
-            <p:ph type="body" idx="1"/>
+        <p:txBody>
+          <a:bodyPr>
+            <a:normAutofit/>
+          </a:bodyPr>
+          <a:lstStyle/>
+          <a:p>
+            <a:r>
+              <a:rPr lang="en-CA" dirty="0"/>
+              <a:t>Brendan: Java</a:t>
+            </a:r>
+          </a:p>
+          <a:p>
+            <a:r>
+              <a:rPr lang="en-CA" dirty="0"/>
+              <a:t>Thomas: .NET</a:t>
+            </a:r>
+          </a:p>
+        </p:txBody>
+      </p:sp>
+      <p:sp>
+        <p:nvSpPr>
+          <p:cNvPr id="4" name="Slide Number Placeholder 3"/>
+          <p:cNvSpPr>
+            <a:spLocks noGrp="1"/>
+          </p:cNvSpPr>
+          <p:nvPr>
+            <p:ph type="sldNum" sz="quarter" idx="10"/>
           </p:nvPr>
         </p:nvSpPr>
         <p:spPr/>
@@ -1073,28 +1119,9 @@
           <a:bodyPr/>
           <a:lstStyle/>
           <a:p>
-            <a:endParaRPr lang="nl-NL" dirty="0"/>
-          </a:p>
-        </p:txBody>
-      </p:sp>
-      <p:sp>
-        <p:nvSpPr>
-          <p:cNvPr id="4" name="Slide Number Placeholder 3"/>
-          <p:cNvSpPr>
-            <a:spLocks noGrp="1"/>
-          </p:cNvSpPr>
-          <p:nvPr>
-            <p:ph type="sldNum" sz="quarter" idx="5"/>
-          </p:nvPr>
-        </p:nvSpPr>
-        <p:spPr/>
-        <p:txBody>
-          <a:bodyPr/>
-          <a:lstStyle/>
-          <a:p>
             <a:fld id="{20B9C825-F38E-45BB-92C1-043DE61C9183}" type="slidenum">
               <a:rPr lang="en-CA" smtClean="0"/>
-              <a:t>15</a:t>
+              <a:t>13</a:t>
             </a:fld>
             <a:endParaRPr lang="en-CA"/>
           </a:p>
@@ -1103,7 +1130,7 @@
     </p:spTree>
     <p:extLst>
       <p:ext uri="{BB962C8B-B14F-4D97-AF65-F5344CB8AC3E}">
-        <p14:creationId xmlns:p14="http://schemas.microsoft.com/office/powerpoint/2010/main" val="2091959062"/>
+        <p14:creationId xmlns:p14="http://schemas.microsoft.com/office/powerpoint/2010/main" val="3186997134"/>
       </p:ext>
     </p:extLst>
   </p:cSld>
@@ -1164,7 +1191,14 @@
           </a:bodyPr>
           <a:lstStyle/>
           <a:p>
-            <a:endParaRPr lang="en-CA"/>
+            <a:r>
+              <a:rPr lang="en-CA" dirty="0" err="1"/>
+              <a:t>Deelnemers</a:t>
+            </a:r>
+            <a:r>
+              <a:rPr lang="en-CA" dirty="0"/>
+              <a:t>:</a:t>
+            </a:r>
           </a:p>
         </p:txBody>
       </p:sp>
@@ -1185,7 +1219,7 @@
           <a:p>
             <a:fld id="{20B9C825-F38E-45BB-92C1-043DE61C9183}" type="slidenum">
               <a:rPr lang="en-CA" smtClean="0"/>
-              <a:t>16</a:t>
+              <a:t>14</a:t>
             </a:fld>
             <a:endParaRPr lang="en-CA"/>
           </a:p>
@@ -1194,7 +1228,7 @@
     </p:spTree>
     <p:extLst>
       <p:ext uri="{BB962C8B-B14F-4D97-AF65-F5344CB8AC3E}">
-        <p14:creationId xmlns:p14="http://schemas.microsoft.com/office/powerpoint/2010/main" val="2911968208"/>
+        <p14:creationId xmlns:p14="http://schemas.microsoft.com/office/powerpoint/2010/main" val="2735406269"/>
       </p:ext>
     </p:extLst>
   </p:cSld>
@@ -1269,7 +1303,7 @@
           <a:p>
             <a:fld id="{20B9C825-F38E-45BB-92C1-043DE61C9183}" type="slidenum">
               <a:rPr lang="en-CA" smtClean="0"/>
-              <a:t>17</a:t>
+              <a:t>15</a:t>
             </a:fld>
             <a:endParaRPr lang="en-CA"/>
           </a:p>
@@ -1278,7 +1312,7 @@
     </p:spTree>
     <p:extLst>
       <p:ext uri="{BB962C8B-B14F-4D97-AF65-F5344CB8AC3E}">
-        <p14:creationId xmlns:p14="http://schemas.microsoft.com/office/powerpoint/2010/main" val="83940190"/>
+        <p14:creationId xmlns:p14="http://schemas.microsoft.com/office/powerpoint/2010/main" val="2091959062"/>
       </p:ext>
     </p:extLst>
   </p:cSld>
@@ -1339,7 +1373,10 @@
           </a:bodyPr>
           <a:lstStyle/>
           <a:p>
-            <a:endParaRPr lang="en-CA"/>
+            <a:r>
+              <a:rPr lang="en-CA" dirty="0"/>
+              <a:t>Brendan</a:t>
+            </a:r>
           </a:p>
         </p:txBody>
       </p:sp>
@@ -1360,7 +1397,7 @@
           <a:p>
             <a:fld id="{20B9C825-F38E-45BB-92C1-043DE61C9183}" type="slidenum">
               <a:rPr lang="en-CA" smtClean="0"/>
-              <a:t>18</a:t>
+              <a:t>16</a:t>
             </a:fld>
             <a:endParaRPr lang="en-CA"/>
           </a:p>
@@ -1369,7 +1406,7 @@
     </p:spTree>
     <p:extLst>
       <p:ext uri="{BB962C8B-B14F-4D97-AF65-F5344CB8AC3E}">
-        <p14:creationId xmlns:p14="http://schemas.microsoft.com/office/powerpoint/2010/main" val="1707665488"/>
+        <p14:creationId xmlns:p14="http://schemas.microsoft.com/office/powerpoint/2010/main" val="2911968208"/>
       </p:ext>
     </p:extLst>
   </p:cSld>
@@ -1406,12 +1443,7 @@
             <p:ph type="sldImg"/>
           </p:nvPr>
         </p:nvSpPr>
-        <p:spPr>
-          <a:xfrm>
-            <a:off x="381000" y="685800"/>
-            <a:ext cx="6096000" cy="3429000"/>
-          </a:xfrm>
-        </p:spPr>
+        <p:spPr/>
       </p:sp>
       <p:sp>
         <p:nvSpPr>
@@ -1421,27 +1453,6 @@
           </p:cNvSpPr>
           <p:nvPr>
             <p:ph type="body" idx="1"/>
-          </p:nvPr>
-        </p:nvSpPr>
-        <p:spPr/>
-        <p:txBody>
-          <a:bodyPr>
-            <a:normAutofit/>
-          </a:bodyPr>
-          <a:lstStyle/>
-          <a:p>
-            <a:endParaRPr lang="en-CA"/>
-          </a:p>
-        </p:txBody>
-      </p:sp>
-      <p:sp>
-        <p:nvSpPr>
-          <p:cNvPr id="4" name="Slide Number Placeholder 3"/>
-          <p:cNvSpPr>
-            <a:spLocks noGrp="1"/>
-          </p:cNvSpPr>
-          <p:nvPr>
-            <p:ph type="sldNum" sz="quarter" idx="10"/>
           </p:nvPr>
         </p:nvSpPr>
         <p:spPr/>
@@ -1449,9 +1460,28 @@
           <a:bodyPr/>
           <a:lstStyle/>
           <a:p>
+            <a:endParaRPr lang="nl-NL" dirty="0"/>
+          </a:p>
+        </p:txBody>
+      </p:sp>
+      <p:sp>
+        <p:nvSpPr>
+          <p:cNvPr id="4" name="Slide Number Placeholder 3"/>
+          <p:cNvSpPr>
+            <a:spLocks noGrp="1"/>
+          </p:cNvSpPr>
+          <p:nvPr>
+            <p:ph type="sldNum" sz="quarter" idx="5"/>
+          </p:nvPr>
+        </p:nvSpPr>
+        <p:spPr/>
+        <p:txBody>
+          <a:bodyPr/>
+          <a:lstStyle/>
+          <a:p>
             <a:fld id="{20B9C825-F38E-45BB-92C1-043DE61C9183}" type="slidenum">
               <a:rPr lang="en-CA" smtClean="0"/>
-              <a:t>19</a:t>
+              <a:t>17</a:t>
             </a:fld>
             <a:endParaRPr lang="en-CA"/>
           </a:p>
@@ -1460,7 +1490,7 @@
     </p:spTree>
     <p:extLst>
       <p:ext uri="{BB962C8B-B14F-4D97-AF65-F5344CB8AC3E}">
-        <p14:creationId xmlns:p14="http://schemas.microsoft.com/office/powerpoint/2010/main" val="3947745790"/>
+        <p14:creationId xmlns:p14="http://schemas.microsoft.com/office/powerpoint/2010/main" val="83940190"/>
       </p:ext>
     </p:extLst>
   </p:cSld>
@@ -1497,16 +1527,49 @@
             <p:ph type="sldImg"/>
           </p:nvPr>
         </p:nvSpPr>
+        <p:spPr>
+          <a:xfrm>
+            <a:off x="381000" y="685800"/>
+            <a:ext cx="6096000" cy="3429000"/>
+          </a:xfrm>
+        </p:spPr>
+      </p:sp>
+      <p:sp>
+        <p:nvSpPr>
+          <p:cNvPr id="3" name="Notes Placeholder 2"/>
+          <p:cNvSpPr>
+            <a:spLocks noGrp="1"/>
+          </p:cNvSpPr>
+          <p:nvPr>
+            <p:ph type="body" idx="1"/>
+          </p:nvPr>
+        </p:nvSpPr>
         <p:spPr/>
-      </p:sp>
-      <p:sp>
-        <p:nvSpPr>
-          <p:cNvPr id="3" name="Notes Placeholder 2"/>
-          <p:cNvSpPr>
-            <a:spLocks noGrp="1"/>
-          </p:cNvSpPr>
-          <p:nvPr>
-            <p:ph type="body" idx="1"/>
+        <p:txBody>
+          <a:bodyPr>
+            <a:normAutofit/>
+          </a:bodyPr>
+          <a:lstStyle/>
+          <a:p>
+            <a:r>
+              <a:rPr lang="en-CA" dirty="0" err="1"/>
+              <a:t>Deelnemers</a:t>
+            </a:r>
+            <a:r>
+              <a:rPr lang="en-CA" dirty="0"/>
+              <a:t>:</a:t>
+            </a:r>
+          </a:p>
+        </p:txBody>
+      </p:sp>
+      <p:sp>
+        <p:nvSpPr>
+          <p:cNvPr id="4" name="Slide Number Placeholder 3"/>
+          <p:cNvSpPr>
+            <a:spLocks noGrp="1"/>
+          </p:cNvSpPr>
+          <p:nvPr>
+            <p:ph type="sldNum" sz="quarter" idx="10"/>
           </p:nvPr>
         </p:nvSpPr>
         <p:spPr/>
@@ -1514,28 +1577,9 @@
           <a:bodyPr/>
           <a:lstStyle/>
           <a:p>
-            <a:endParaRPr lang="nl-NL" dirty="0"/>
-          </a:p>
-        </p:txBody>
-      </p:sp>
-      <p:sp>
-        <p:nvSpPr>
-          <p:cNvPr id="4" name="Slide Number Placeholder 3"/>
-          <p:cNvSpPr>
-            <a:spLocks noGrp="1"/>
-          </p:cNvSpPr>
-          <p:nvPr>
-            <p:ph type="sldNum" sz="quarter" idx="5"/>
-          </p:nvPr>
-        </p:nvSpPr>
-        <p:spPr/>
-        <p:txBody>
-          <a:bodyPr/>
-          <a:lstStyle/>
-          <a:p>
             <a:fld id="{20B9C825-F38E-45BB-92C1-043DE61C9183}" type="slidenum">
               <a:rPr lang="en-CA" smtClean="0"/>
-              <a:t>20</a:t>
+              <a:t>18</a:t>
             </a:fld>
             <a:endParaRPr lang="en-CA"/>
           </a:p>
@@ -1544,7 +1588,7 @@
     </p:spTree>
     <p:extLst>
       <p:ext uri="{BB962C8B-B14F-4D97-AF65-F5344CB8AC3E}">
-        <p14:creationId xmlns:p14="http://schemas.microsoft.com/office/powerpoint/2010/main" val="2884702933"/>
+        <p14:creationId xmlns:p14="http://schemas.microsoft.com/office/powerpoint/2010/main" val="1707665488"/>
       </p:ext>
     </p:extLst>
   </p:cSld>
@@ -1605,7 +1649,10 @@
           </a:bodyPr>
           <a:lstStyle/>
           <a:p>
-            <a:endParaRPr lang="en-CA"/>
+            <a:r>
+              <a:rPr lang="en-CA" dirty="0"/>
+              <a:t>Brendan</a:t>
+            </a:r>
           </a:p>
         </p:txBody>
       </p:sp>
@@ -1626,7 +1673,7 @@
           <a:p>
             <a:fld id="{20B9C825-F38E-45BB-92C1-043DE61C9183}" type="slidenum">
               <a:rPr lang="en-CA" smtClean="0"/>
-              <a:t>21</a:t>
+              <a:t>19</a:t>
             </a:fld>
             <a:endParaRPr lang="en-CA"/>
           </a:p>
@@ -1635,7 +1682,7 @@
     </p:spTree>
     <p:extLst>
       <p:ext uri="{BB962C8B-B14F-4D97-AF65-F5344CB8AC3E}">
-        <p14:creationId xmlns:p14="http://schemas.microsoft.com/office/powerpoint/2010/main" val="1440830752"/>
+        <p14:creationId xmlns:p14="http://schemas.microsoft.com/office/powerpoint/2010/main" val="3947745790"/>
       </p:ext>
     </p:extLst>
   </p:cSld>
@@ -1691,15 +1738,7 @@
           <a:p>
             <a:r>
               <a:rPr lang="nl-NL" dirty="0"/>
-              <a:t>Platform om applicaties te runnen, bouwen en te </a:t>
-            </a:r>
-            <a:r>
-              <a:rPr lang="nl-NL" dirty="0" err="1"/>
-              <a:t>shippen</a:t>
-            </a:r>
-            <a:r>
-              <a:rPr lang="nl-NL" dirty="0"/>
-              <a:t>. Dit platform voorziet dus van alle benodigdheden om een applicatie te kunnen runnen. </a:t>
+              <a:t>Beide:</a:t>
             </a:r>
           </a:p>
         </p:txBody>
@@ -1721,7 +1760,7 @@
           <a:p>
             <a:fld id="{20B9C825-F38E-45BB-92C1-043DE61C9183}" type="slidenum">
               <a:rPr lang="en-CA" smtClean="0"/>
-              <a:t>4</a:t>
+              <a:t>2</a:t>
             </a:fld>
             <a:endParaRPr lang="en-CA"/>
           </a:p>
@@ -1730,7 +1769,7 @@
     </p:spTree>
     <p:extLst>
       <p:ext uri="{BB962C8B-B14F-4D97-AF65-F5344CB8AC3E}">
-        <p14:creationId xmlns:p14="http://schemas.microsoft.com/office/powerpoint/2010/main" val="1779704678"/>
+        <p14:creationId xmlns:p14="http://schemas.microsoft.com/office/powerpoint/2010/main" val="795692773"/>
       </p:ext>
     </p:extLst>
   </p:cSld>
@@ -1767,6 +1806,90 @@
             <p:ph type="sldImg"/>
           </p:nvPr>
         </p:nvSpPr>
+        <p:spPr/>
+      </p:sp>
+      <p:sp>
+        <p:nvSpPr>
+          <p:cNvPr id="3" name="Notes Placeholder 2"/>
+          <p:cNvSpPr>
+            <a:spLocks noGrp="1"/>
+          </p:cNvSpPr>
+          <p:nvPr>
+            <p:ph type="body" idx="1"/>
+          </p:nvPr>
+        </p:nvSpPr>
+        <p:spPr/>
+        <p:txBody>
+          <a:bodyPr/>
+          <a:lstStyle/>
+          <a:p>
+            <a:endParaRPr lang="nl-NL" dirty="0"/>
+          </a:p>
+        </p:txBody>
+      </p:sp>
+      <p:sp>
+        <p:nvSpPr>
+          <p:cNvPr id="4" name="Slide Number Placeholder 3"/>
+          <p:cNvSpPr>
+            <a:spLocks noGrp="1"/>
+          </p:cNvSpPr>
+          <p:nvPr>
+            <p:ph type="sldNum" sz="quarter" idx="5"/>
+          </p:nvPr>
+        </p:nvSpPr>
+        <p:spPr/>
+        <p:txBody>
+          <a:bodyPr/>
+          <a:lstStyle/>
+          <a:p>
+            <a:fld id="{20B9C825-F38E-45BB-92C1-043DE61C9183}" type="slidenum">
+              <a:rPr lang="en-CA" smtClean="0"/>
+              <a:t>20</a:t>
+            </a:fld>
+            <a:endParaRPr lang="en-CA"/>
+          </a:p>
+        </p:txBody>
+      </p:sp>
+    </p:spTree>
+    <p:extLst>
+      <p:ext uri="{BB962C8B-B14F-4D97-AF65-F5344CB8AC3E}">
+        <p14:creationId xmlns:p14="http://schemas.microsoft.com/office/powerpoint/2010/main" val="2884702933"/>
+      </p:ext>
+    </p:extLst>
+  </p:cSld>
+  <p:clrMapOvr>
+    <a:masterClrMapping/>
+  </p:clrMapOvr>
+</p:notes>
+</file>
+
+<file path=ppt/notesSlides/notesSlide21.xml><?xml version="1.0" encoding="utf-8"?>
+<p:notes xmlns:a="http://schemas.openxmlformats.org/drawingml/2006/main" xmlns:r="http://schemas.openxmlformats.org/officeDocument/2006/relationships" xmlns:p="http://schemas.openxmlformats.org/presentationml/2006/main">
+  <p:cSld>
+    <p:spTree>
+      <p:nvGrpSpPr>
+        <p:cNvPr id="1" name=""/>
+        <p:cNvGrpSpPr/>
+        <p:nvPr/>
+      </p:nvGrpSpPr>
+      <p:grpSpPr>
+        <a:xfrm>
+          <a:off x="0" y="0"/>
+          <a:ext cx="0" cy="0"/>
+          <a:chOff x="0" y="0"/>
+          <a:chExt cx="0" cy="0"/>
+        </a:xfrm>
+      </p:grpSpPr>
+      <p:sp>
+        <p:nvSpPr>
+          <p:cNvPr id="2" name="Slide Image Placeholder 1"/>
+          <p:cNvSpPr>
+            <a:spLocks noGrp="1" noRot="1" noChangeAspect="1"/>
+          </p:cNvSpPr>
+          <p:nvPr>
+            <p:ph type="sldImg"/>
+          </p:nvPr>
+        </p:nvSpPr>
         <p:spPr>
           <a:xfrm>
             <a:off x="381000" y="685800"/>
@@ -1791,7 +1914,105 @@
           </a:bodyPr>
           <a:lstStyle/>
           <a:p>
+            <a:r>
+              <a:rPr lang="en-CA" dirty="0" err="1"/>
+              <a:t>Deelnemers</a:t>
+            </a:r>
+            <a:r>
+              <a:rPr lang="en-CA" dirty="0"/>
+              <a:t>:</a:t>
+            </a:r>
+          </a:p>
+        </p:txBody>
+      </p:sp>
+      <p:sp>
+        <p:nvSpPr>
+          <p:cNvPr id="4" name="Slide Number Placeholder 3"/>
+          <p:cNvSpPr>
+            <a:spLocks noGrp="1"/>
+          </p:cNvSpPr>
+          <p:nvPr>
+            <p:ph type="sldNum" sz="quarter" idx="10"/>
+          </p:nvPr>
+        </p:nvSpPr>
+        <p:spPr/>
+        <p:txBody>
+          <a:bodyPr/>
+          <a:lstStyle/>
+          <a:p>
+            <a:fld id="{20B9C825-F38E-45BB-92C1-043DE61C9183}" type="slidenum">
+              <a:rPr lang="en-CA" smtClean="0"/>
+              <a:t>21</a:t>
+            </a:fld>
             <a:endParaRPr lang="en-CA"/>
+          </a:p>
+        </p:txBody>
+      </p:sp>
+    </p:spTree>
+    <p:extLst>
+      <p:ext uri="{BB962C8B-B14F-4D97-AF65-F5344CB8AC3E}">
+        <p14:creationId xmlns:p14="http://schemas.microsoft.com/office/powerpoint/2010/main" val="1440830752"/>
+      </p:ext>
+    </p:extLst>
+  </p:cSld>
+  <p:clrMapOvr>
+    <a:masterClrMapping/>
+  </p:clrMapOvr>
+</p:notes>
+</file>
+
+<file path=ppt/notesSlides/notesSlide22.xml><?xml version="1.0" encoding="utf-8"?>
+<p:notes xmlns:a="http://schemas.openxmlformats.org/drawingml/2006/main" xmlns:r="http://schemas.openxmlformats.org/officeDocument/2006/relationships" xmlns:p="http://schemas.openxmlformats.org/presentationml/2006/main">
+  <p:cSld>
+    <p:spTree>
+      <p:nvGrpSpPr>
+        <p:cNvPr id="1" name=""/>
+        <p:cNvGrpSpPr/>
+        <p:nvPr/>
+      </p:nvGrpSpPr>
+      <p:grpSpPr>
+        <a:xfrm>
+          <a:off x="0" y="0"/>
+          <a:ext cx="0" cy="0"/>
+          <a:chOff x="0" y="0"/>
+          <a:chExt cx="0" cy="0"/>
+        </a:xfrm>
+      </p:grpSpPr>
+      <p:sp>
+        <p:nvSpPr>
+          <p:cNvPr id="2" name="Slide Image Placeholder 1"/>
+          <p:cNvSpPr>
+            <a:spLocks noGrp="1" noRot="1" noChangeAspect="1"/>
+          </p:cNvSpPr>
+          <p:nvPr>
+            <p:ph type="sldImg"/>
+          </p:nvPr>
+        </p:nvSpPr>
+        <p:spPr>
+          <a:xfrm>
+            <a:off x="381000" y="685800"/>
+            <a:ext cx="6096000" cy="3429000"/>
+          </a:xfrm>
+        </p:spPr>
+      </p:sp>
+      <p:sp>
+        <p:nvSpPr>
+          <p:cNvPr id="3" name="Notes Placeholder 2"/>
+          <p:cNvSpPr>
+            <a:spLocks noGrp="1"/>
+          </p:cNvSpPr>
+          <p:nvPr>
+            <p:ph type="body" idx="1"/>
+          </p:nvPr>
+        </p:nvSpPr>
+        <p:spPr/>
+        <p:txBody>
+          <a:bodyPr>
+            <a:normAutofit/>
+          </a:bodyPr>
+          <a:lstStyle/>
+          <a:p>
+            <a:endParaRPr lang="en-CA" dirty="0"/>
           </a:p>
         </p:txBody>
       </p:sp>
@@ -1882,7 +2103,10 @@
           </a:bodyPr>
           <a:lstStyle/>
           <a:p>
-            <a:endParaRPr lang="en-CA"/>
+            <a:r>
+              <a:rPr lang="en-CA" dirty="0"/>
+              <a:t>Thomas:</a:t>
+            </a:r>
           </a:p>
         </p:txBody>
       </p:sp>
@@ -1903,7 +2127,7 @@
           <a:p>
             <a:fld id="{20B9C825-F38E-45BB-92C1-043DE61C9183}" type="slidenum">
               <a:rPr lang="en-CA" smtClean="0"/>
-              <a:t>5</a:t>
+              <a:t>3</a:t>
             </a:fld>
             <a:endParaRPr lang="en-CA"/>
           </a:p>
@@ -1912,7 +2136,7 @@
     </p:spTree>
     <p:extLst>
       <p:ext uri="{BB962C8B-B14F-4D97-AF65-F5344CB8AC3E}">
-        <p14:creationId xmlns:p14="http://schemas.microsoft.com/office/powerpoint/2010/main" val="2483934309"/>
+        <p14:creationId xmlns:p14="http://schemas.microsoft.com/office/powerpoint/2010/main" val="717365470"/>
       </p:ext>
     </p:extLst>
   </p:cSld>
@@ -1968,23 +2192,15 @@
           <a:p>
             <a:r>
               <a:rPr lang="nl-NL" dirty="0"/>
-              <a:t>Typische productie/</a:t>
+              <a:t>Platform om applicaties te runnen, bouwen en te </a:t>
             </a:r>
             <a:r>
               <a:rPr lang="nl-NL" dirty="0" err="1"/>
-              <a:t>enterprise</a:t>
+              <a:t>shippen</a:t>
             </a:r>
             <a:r>
               <a:rPr lang="nl-NL" dirty="0"/>
-              <a:t> omgeving: </a:t>
-            </a:r>
-            <a:r>
-              <a:rPr lang="nl-NL" dirty="0" err="1"/>
-              <a:t>VM’s</a:t>
-            </a:r>
-            <a:r>
-              <a:rPr lang="nl-NL" dirty="0"/>
-              <a:t>. Wie weet wat een VM is?</a:t>
+              <a:t>. Dit platform voorziet dus van alle benodigdheden om een applicatie te kunnen runnen. </a:t>
             </a:r>
           </a:p>
         </p:txBody>
@@ -2006,7 +2222,7 @@
           <a:p>
             <a:fld id="{20B9C825-F38E-45BB-92C1-043DE61C9183}" type="slidenum">
               <a:rPr lang="en-CA" smtClean="0"/>
-              <a:t>6</a:t>
+              <a:t>4</a:t>
             </a:fld>
             <a:endParaRPr lang="en-CA"/>
           </a:p>
@@ -2015,7 +2231,7 @@
     </p:spTree>
     <p:extLst>
       <p:ext uri="{BB962C8B-B14F-4D97-AF65-F5344CB8AC3E}">
-        <p14:creationId xmlns:p14="http://schemas.microsoft.com/office/powerpoint/2010/main" val="2569854066"/>
+        <p14:creationId xmlns:p14="http://schemas.microsoft.com/office/powerpoint/2010/main" val="1779704678"/>
       </p:ext>
     </p:extLst>
   </p:cSld>
@@ -2052,16 +2268,45 @@
             <p:ph type="sldImg"/>
           </p:nvPr>
         </p:nvSpPr>
+        <p:spPr>
+          <a:xfrm>
+            <a:off x="381000" y="685800"/>
+            <a:ext cx="6096000" cy="3429000"/>
+          </a:xfrm>
+        </p:spPr>
+      </p:sp>
+      <p:sp>
+        <p:nvSpPr>
+          <p:cNvPr id="3" name="Notes Placeholder 2"/>
+          <p:cNvSpPr>
+            <a:spLocks noGrp="1"/>
+          </p:cNvSpPr>
+          <p:nvPr>
+            <p:ph type="body" idx="1"/>
+          </p:nvPr>
+        </p:nvSpPr>
         <p:spPr/>
-      </p:sp>
-      <p:sp>
-        <p:nvSpPr>
-          <p:cNvPr id="3" name="Notes Placeholder 2"/>
-          <p:cNvSpPr>
-            <a:spLocks noGrp="1"/>
-          </p:cNvSpPr>
-          <p:nvPr>
-            <p:ph type="body" idx="1"/>
+        <p:txBody>
+          <a:bodyPr>
+            <a:normAutofit/>
+          </a:bodyPr>
+          <a:lstStyle/>
+          <a:p>
+            <a:r>
+              <a:rPr lang="en-CA" dirty="0"/>
+              <a:t>Brendan</a:t>
+            </a:r>
+          </a:p>
+        </p:txBody>
+      </p:sp>
+      <p:sp>
+        <p:nvSpPr>
+          <p:cNvPr id="4" name="Slide Number Placeholder 3"/>
+          <p:cNvSpPr>
+            <a:spLocks noGrp="1"/>
+          </p:cNvSpPr>
+          <p:nvPr>
+            <p:ph type="sldNum" sz="quarter" idx="10"/>
           </p:nvPr>
         </p:nvSpPr>
         <p:spPr/>
@@ -2069,47 +2314,9 @@
           <a:bodyPr/>
           <a:lstStyle/>
           <a:p>
-            <a:r>
-              <a:rPr lang="nl-NL" dirty="0"/>
-              <a:t>Typische productie/</a:t>
-            </a:r>
-            <a:r>
-              <a:rPr lang="nl-NL" dirty="0" err="1"/>
-              <a:t>enterprise</a:t>
-            </a:r>
-            <a:r>
-              <a:rPr lang="nl-NL" dirty="0"/>
-              <a:t> omgeving: </a:t>
-            </a:r>
-            <a:r>
-              <a:rPr lang="nl-NL" dirty="0" err="1"/>
-              <a:t>VM’s</a:t>
-            </a:r>
-            <a:r>
-              <a:rPr lang="nl-NL" dirty="0"/>
-              <a:t>. Wie weet wat een VM is?</a:t>
-            </a:r>
-          </a:p>
-        </p:txBody>
-      </p:sp>
-      <p:sp>
-        <p:nvSpPr>
-          <p:cNvPr id="4" name="Slide Number Placeholder 3"/>
-          <p:cNvSpPr>
-            <a:spLocks noGrp="1"/>
-          </p:cNvSpPr>
-          <p:nvPr>
-            <p:ph type="sldNum" sz="quarter" idx="5"/>
-          </p:nvPr>
-        </p:nvSpPr>
-        <p:spPr/>
-        <p:txBody>
-          <a:bodyPr/>
-          <a:lstStyle/>
-          <a:p>
             <a:fld id="{20B9C825-F38E-45BB-92C1-043DE61C9183}" type="slidenum">
               <a:rPr lang="en-CA" smtClean="0"/>
-              <a:t>7</a:t>
+              <a:t>5</a:t>
             </a:fld>
             <a:endParaRPr lang="en-CA"/>
           </a:p>
@@ -2118,7 +2325,7 @@
     </p:spTree>
     <p:extLst>
       <p:ext uri="{BB962C8B-B14F-4D97-AF65-F5344CB8AC3E}">
-        <p14:creationId xmlns:p14="http://schemas.microsoft.com/office/powerpoint/2010/main" val="219902141"/>
+        <p14:creationId xmlns:p14="http://schemas.microsoft.com/office/powerpoint/2010/main" val="2483934309"/>
       </p:ext>
     </p:extLst>
   </p:cSld>
@@ -2212,7 +2419,7 @@
           <a:p>
             <a:fld id="{20B9C825-F38E-45BB-92C1-043DE61C9183}" type="slidenum">
               <a:rPr lang="en-CA" smtClean="0"/>
-              <a:t>8</a:t>
+              <a:t>6</a:t>
             </a:fld>
             <a:endParaRPr lang="en-CA"/>
           </a:p>
@@ -2221,7 +2428,7 @@
     </p:spTree>
     <p:extLst>
       <p:ext uri="{BB962C8B-B14F-4D97-AF65-F5344CB8AC3E}">
-        <p14:creationId xmlns:p14="http://schemas.microsoft.com/office/powerpoint/2010/main" val="680126684"/>
+        <p14:creationId xmlns:p14="http://schemas.microsoft.com/office/powerpoint/2010/main" val="2569854066"/>
       </p:ext>
     </p:extLst>
   </p:cSld>
@@ -2258,12 +2465,7 @@
             <p:ph type="sldImg"/>
           </p:nvPr>
         </p:nvSpPr>
-        <p:spPr>
-          <a:xfrm>
-            <a:off x="381000" y="685800"/>
-            <a:ext cx="6096000" cy="3429000"/>
-          </a:xfrm>
-        </p:spPr>
+        <p:spPr/>
       </p:sp>
       <p:sp>
         <p:nvSpPr>
@@ -2273,27 +2475,6 @@
           </p:cNvSpPr>
           <p:nvPr>
             <p:ph type="body" idx="1"/>
-          </p:nvPr>
-        </p:nvSpPr>
-        <p:spPr/>
-        <p:txBody>
-          <a:bodyPr>
-            <a:normAutofit/>
-          </a:bodyPr>
-          <a:lstStyle/>
-          <a:p>
-            <a:endParaRPr lang="en-CA"/>
-          </a:p>
-        </p:txBody>
-      </p:sp>
-      <p:sp>
-        <p:nvSpPr>
-          <p:cNvPr id="4" name="Slide Number Placeholder 3"/>
-          <p:cNvSpPr>
-            <a:spLocks noGrp="1"/>
-          </p:cNvSpPr>
-          <p:nvPr>
-            <p:ph type="sldNum" sz="quarter" idx="10"/>
           </p:nvPr>
         </p:nvSpPr>
         <p:spPr/>
@@ -2301,9 +2482,47 @@
           <a:bodyPr/>
           <a:lstStyle/>
           <a:p>
+            <a:r>
+              <a:rPr lang="nl-NL" dirty="0"/>
+              <a:t>Typische productie/</a:t>
+            </a:r>
+            <a:r>
+              <a:rPr lang="nl-NL" dirty="0" err="1"/>
+              <a:t>enterprise</a:t>
+            </a:r>
+            <a:r>
+              <a:rPr lang="nl-NL" dirty="0"/>
+              <a:t> omgeving: </a:t>
+            </a:r>
+            <a:r>
+              <a:rPr lang="nl-NL" dirty="0" err="1"/>
+              <a:t>VM’s</a:t>
+            </a:r>
+            <a:r>
+              <a:rPr lang="nl-NL" dirty="0"/>
+              <a:t>. Wie weet wat een VM is?</a:t>
+            </a:r>
+          </a:p>
+        </p:txBody>
+      </p:sp>
+      <p:sp>
+        <p:nvSpPr>
+          <p:cNvPr id="4" name="Slide Number Placeholder 3"/>
+          <p:cNvSpPr>
+            <a:spLocks noGrp="1"/>
+          </p:cNvSpPr>
+          <p:nvPr>
+            <p:ph type="sldNum" sz="quarter" idx="5"/>
+          </p:nvPr>
+        </p:nvSpPr>
+        <p:spPr/>
+        <p:txBody>
+          <a:bodyPr/>
+          <a:lstStyle/>
+          <a:p>
             <a:fld id="{20B9C825-F38E-45BB-92C1-043DE61C9183}" type="slidenum">
               <a:rPr lang="en-CA" smtClean="0"/>
-              <a:t>9</a:t>
+              <a:t>7</a:t>
             </a:fld>
             <a:endParaRPr lang="en-CA"/>
           </a:p>
@@ -2312,7 +2531,7 @@
     </p:spTree>
     <p:extLst>
       <p:ext uri="{BB962C8B-B14F-4D97-AF65-F5344CB8AC3E}">
-        <p14:creationId xmlns:p14="http://schemas.microsoft.com/office/powerpoint/2010/main" val="500988631"/>
+        <p14:creationId xmlns:p14="http://schemas.microsoft.com/office/powerpoint/2010/main" val="219902141"/>
       </p:ext>
     </p:extLst>
   </p:cSld>
@@ -2368,15 +2587,23 @@
           <a:p>
             <a:r>
               <a:rPr lang="nl-NL" dirty="0"/>
-              <a:t>Platform om applicaties te runnen, bouwen en te </a:t>
+              <a:t>Typische productie/</a:t>
             </a:r>
             <a:r>
               <a:rPr lang="nl-NL" dirty="0" err="1"/>
-              <a:t>shippen</a:t>
+              <a:t>enterprise</a:t>
             </a:r>
             <a:r>
               <a:rPr lang="nl-NL" dirty="0"/>
-              <a:t>. Dit platform voorziet dus van alle benodigdheden om een applicatie te kunnen runnen. </a:t>
+              <a:t> omgeving: </a:t>
+            </a:r>
+            <a:r>
+              <a:rPr lang="nl-NL" dirty="0" err="1"/>
+              <a:t>VM’s</a:t>
+            </a:r>
+            <a:r>
+              <a:rPr lang="nl-NL" dirty="0"/>
+              <a:t>. Wie weet wat een VM is?</a:t>
             </a:r>
           </a:p>
         </p:txBody>
@@ -2398,7 +2625,7 @@
           <a:p>
             <a:fld id="{20B9C825-F38E-45BB-92C1-043DE61C9183}" type="slidenum">
               <a:rPr lang="en-CA" smtClean="0"/>
-              <a:t>10</a:t>
+              <a:t>8</a:t>
             </a:fld>
             <a:endParaRPr lang="en-CA"/>
           </a:p>
@@ -2407,7 +2634,7 @@
     </p:spTree>
     <p:extLst>
       <p:ext uri="{BB962C8B-B14F-4D97-AF65-F5344CB8AC3E}">
-        <p14:creationId xmlns:p14="http://schemas.microsoft.com/office/powerpoint/2010/main" val="598361817"/>
+        <p14:creationId xmlns:p14="http://schemas.microsoft.com/office/powerpoint/2010/main" val="680126684"/>
       </p:ext>
     </p:extLst>
   </p:cSld>
@@ -2444,16 +2671,45 @@
             <p:ph type="sldImg"/>
           </p:nvPr>
         </p:nvSpPr>
+        <p:spPr>
+          <a:xfrm>
+            <a:off x="381000" y="685800"/>
+            <a:ext cx="6096000" cy="3429000"/>
+          </a:xfrm>
+        </p:spPr>
+      </p:sp>
+      <p:sp>
+        <p:nvSpPr>
+          <p:cNvPr id="3" name="Notes Placeholder 2"/>
+          <p:cNvSpPr>
+            <a:spLocks noGrp="1"/>
+          </p:cNvSpPr>
+          <p:nvPr>
+            <p:ph type="body" idx="1"/>
+          </p:nvPr>
+        </p:nvSpPr>
         <p:spPr/>
-      </p:sp>
-      <p:sp>
-        <p:nvSpPr>
-          <p:cNvPr id="3" name="Notes Placeholder 2"/>
-          <p:cNvSpPr>
-            <a:spLocks noGrp="1"/>
-          </p:cNvSpPr>
-          <p:nvPr>
-            <p:ph type="body" idx="1"/>
+        <p:txBody>
+          <a:bodyPr>
+            <a:normAutofit/>
+          </a:bodyPr>
+          <a:lstStyle/>
+          <a:p>
+            <a:r>
+              <a:rPr lang="en-CA" dirty="0"/>
+              <a:t>Thomas:</a:t>
+            </a:r>
+          </a:p>
+        </p:txBody>
+      </p:sp>
+      <p:sp>
+        <p:nvSpPr>
+          <p:cNvPr id="4" name="Slide Number Placeholder 3"/>
+          <p:cNvSpPr>
+            <a:spLocks noGrp="1"/>
+          </p:cNvSpPr>
+          <p:nvPr>
+            <p:ph type="sldNum" sz="quarter" idx="10"/>
           </p:nvPr>
         </p:nvSpPr>
         <p:spPr/>
@@ -2461,39 +2717,9 @@
           <a:bodyPr/>
           <a:lstStyle/>
           <a:p>
-            <a:r>
-              <a:rPr lang="nl-NL" dirty="0"/>
-              <a:t>Platform om applicaties te runnen, bouwen en te </a:t>
-            </a:r>
-            <a:r>
-              <a:rPr lang="nl-NL" dirty="0" err="1"/>
-              <a:t>shippen</a:t>
-            </a:r>
-            <a:r>
-              <a:rPr lang="nl-NL" dirty="0"/>
-              <a:t>. Dit platform voorziet dus van alle benodigdheden om een applicatie te kunnen runnen. </a:t>
-            </a:r>
-          </a:p>
-        </p:txBody>
-      </p:sp>
-      <p:sp>
-        <p:nvSpPr>
-          <p:cNvPr id="4" name="Slide Number Placeholder 3"/>
-          <p:cNvSpPr>
-            <a:spLocks noGrp="1"/>
-          </p:cNvSpPr>
-          <p:nvPr>
-            <p:ph type="sldNum" sz="quarter" idx="5"/>
-          </p:nvPr>
-        </p:nvSpPr>
-        <p:spPr/>
-        <p:txBody>
-          <a:bodyPr/>
-          <a:lstStyle/>
-          <a:p>
             <a:fld id="{20B9C825-F38E-45BB-92C1-043DE61C9183}" type="slidenum">
               <a:rPr lang="en-CA" smtClean="0"/>
-              <a:t>11</a:t>
+              <a:t>9</a:t>
             </a:fld>
             <a:endParaRPr lang="en-CA"/>
           </a:p>
@@ -2502,7 +2728,7 @@
     </p:spTree>
     <p:extLst>
       <p:ext uri="{BB962C8B-B14F-4D97-AF65-F5344CB8AC3E}">
-        <p14:creationId xmlns:p14="http://schemas.microsoft.com/office/powerpoint/2010/main" val="490974925"/>
+        <p14:creationId xmlns:p14="http://schemas.microsoft.com/office/powerpoint/2010/main" val="500988631"/>
       </p:ext>
     </p:extLst>
   </p:cSld>
@@ -30424,7 +30650,7 @@
                 <a:latin typeface="Arial" panose="020B0604020202020204" pitchFamily="34" charset="0"/>
                 <a:ea typeface="Times New Roman" panose="02020603050405020304" pitchFamily="18" charset="0"/>
                 <a:cs typeface="Times New Roman" panose="02020603050405020304" pitchFamily="18" charset="0"/>
-                <a:hlinkClick r:id="rId2"/>
+                <a:hlinkClick r:id="rId3"/>
               </a:rPr>
               <a:t>thomas.gribnau@cgi.com</a:t>
             </a:r>
@@ -30469,7 +30695,7 @@
           <p:nvPr/>
         </p:nvPicPr>
         <p:blipFill>
-          <a:blip r:embed="rId3" cstate="print">
+          <a:blip r:embed="rId4" cstate="print">
             <a:extLst>
               <a:ext uri="{28A0092B-C50C-407E-A947-70E740481C1C}">
                 <a14:useLocalDpi xmlns:a14="http://schemas.microsoft.com/office/drawing/2010/main" val="0"/>
@@ -30569,7 +30795,7 @@
             <a:pPr algn="l"/>
             <a:r>
               <a:rPr lang="nl-NL" dirty="0">
-                <a:hlinkClick r:id="rId4"/>
+                <a:hlinkClick r:id="rId5"/>
               </a:rPr>
               <a:t>Brendan.van.walstijn@cgi.com</a:t>
             </a:r>
@@ -30580,6 +30806,41 @@
           </a:p>
         </p:txBody>
       </p:sp>
+      <p:pic>
+        <p:nvPicPr>
+          <p:cNvPr id="8" name="Picture 7">
+            <a:extLst>
+              <a:ext uri="{FF2B5EF4-FFF2-40B4-BE49-F238E27FC236}">
+                <a16:creationId xmlns:a16="http://schemas.microsoft.com/office/drawing/2014/main" id="{95EE2A12-EC6C-4E9F-90B5-A300DD64713E}"/>
+              </a:ext>
+            </a:extLst>
+          </p:cNvPr>
+          <p:cNvPicPr>
+            <a:picLocks noChangeAspect="1"/>
+          </p:cNvPicPr>
+          <p:nvPr/>
+        </p:nvPicPr>
+        <p:blipFill rotWithShape="1">
+          <a:blip r:embed="rId6" cstate="print">
+            <a:extLst>
+              <a:ext uri="{28A0092B-C50C-407E-A947-70E740481C1C}">
+                <a14:useLocalDpi xmlns:a14="http://schemas.microsoft.com/office/drawing/2010/main" val="0"/>
+              </a:ext>
+            </a:extLst>
+          </a:blip>
+          <a:srcRect l="39543" t="28758" r="17059" b="43503"/>
+          <a:stretch/>
+        </p:blipFill>
+        <p:spPr>
+          <a:xfrm>
+            <a:off x="1732307" y="3429000"/>
+            <a:ext cx="820800" cy="866957"/>
+          </a:xfrm>
+          <a:prstGeom prst="ellipse">
+            <a:avLst/>
+          </a:prstGeom>
+        </p:spPr>
+      </p:pic>
     </p:spTree>
     <p:extLst>
       <p:ext uri="{BB962C8B-B14F-4D97-AF65-F5344CB8AC3E}">
@@ -30923,7 +31184,7 @@
         <p:spPr>
           <a:xfrm>
             <a:off x="748799" y="635964"/>
-            <a:ext cx="6817413" cy="2226506"/>
+            <a:ext cx="7076941" cy="2226506"/>
           </a:xfrm>
         </p:spPr>
         <p:txBody>
@@ -30934,7 +31195,7 @@
           <a:p>
             <a:r>
               <a:rPr lang="en-CA" dirty="0"/>
-              <a:t>Demo: Database &amp; application container.</a:t>
+              <a:t>What does exercise 4 do?</a:t>
             </a:r>
           </a:p>
         </p:txBody>
